--- a/Project_20241105.pptx
+++ b/Project_20241105.pptx
@@ -10,7 +10,14 @@
     <p:sldId id="260" r:id="rId4"/>
     <p:sldId id="262" r:id="rId5"/>
     <p:sldId id="263" r:id="rId6"/>
-    <p:sldId id="261" r:id="rId7"/>
+    <p:sldId id="264" r:id="rId7"/>
+    <p:sldId id="265" r:id="rId8"/>
+    <p:sldId id="266" r:id="rId9"/>
+    <p:sldId id="267" r:id="rId10"/>
+    <p:sldId id="268" r:id="rId11"/>
+    <p:sldId id="269" r:id="rId12"/>
+    <p:sldId id="270" r:id="rId13"/>
+    <p:sldId id="271" r:id="rId14"/>
   </p:sldIdLst>
   <p:sldSz cx="12192000" cy="6858000"/>
   <p:notesSz cx="6858000" cy="9144000"/>
@@ -264,7 +271,7 @@
           <a:p>
             <a:fld id="{8E62E4A1-4640-4B73-8EDE-01AEB25BAF65}" type="datetimeFigureOut">
               <a:rPr lang="ko-KR" altLang="en-US" smtClean="0"/>
-              <a:t>2024-11-10</a:t>
+              <a:t>2024-12-03</a:t>
             </a:fld>
             <a:endParaRPr lang="ko-KR" altLang="en-US"/>
           </a:p>
@@ -462,7 +469,7 @@
           <a:p>
             <a:fld id="{8E62E4A1-4640-4B73-8EDE-01AEB25BAF65}" type="datetimeFigureOut">
               <a:rPr lang="ko-KR" altLang="en-US" smtClean="0"/>
-              <a:t>2024-11-10</a:t>
+              <a:t>2024-12-03</a:t>
             </a:fld>
             <a:endParaRPr lang="ko-KR" altLang="en-US"/>
           </a:p>
@@ -670,7 +677,7 @@
           <a:p>
             <a:fld id="{8E62E4A1-4640-4B73-8EDE-01AEB25BAF65}" type="datetimeFigureOut">
               <a:rPr lang="ko-KR" altLang="en-US" smtClean="0"/>
-              <a:t>2024-11-10</a:t>
+              <a:t>2024-12-03</a:t>
             </a:fld>
             <a:endParaRPr lang="ko-KR" altLang="en-US"/>
           </a:p>
@@ -868,7 +875,7 @@
           <a:p>
             <a:fld id="{8E62E4A1-4640-4B73-8EDE-01AEB25BAF65}" type="datetimeFigureOut">
               <a:rPr lang="ko-KR" altLang="en-US" smtClean="0"/>
-              <a:t>2024-11-10</a:t>
+              <a:t>2024-12-03</a:t>
             </a:fld>
             <a:endParaRPr lang="ko-KR" altLang="en-US"/>
           </a:p>
@@ -1143,7 +1150,7 @@
           <a:p>
             <a:fld id="{8E62E4A1-4640-4B73-8EDE-01AEB25BAF65}" type="datetimeFigureOut">
               <a:rPr lang="ko-KR" altLang="en-US" smtClean="0"/>
-              <a:t>2024-11-10</a:t>
+              <a:t>2024-12-03</a:t>
             </a:fld>
             <a:endParaRPr lang="ko-KR" altLang="en-US"/>
           </a:p>
@@ -1408,7 +1415,7 @@
           <a:p>
             <a:fld id="{8E62E4A1-4640-4B73-8EDE-01AEB25BAF65}" type="datetimeFigureOut">
               <a:rPr lang="ko-KR" altLang="en-US" smtClean="0"/>
-              <a:t>2024-11-10</a:t>
+              <a:t>2024-12-03</a:t>
             </a:fld>
             <a:endParaRPr lang="ko-KR" altLang="en-US"/>
           </a:p>
@@ -1820,7 +1827,7 @@
           <a:p>
             <a:fld id="{8E62E4A1-4640-4B73-8EDE-01AEB25BAF65}" type="datetimeFigureOut">
               <a:rPr lang="ko-KR" altLang="en-US" smtClean="0"/>
-              <a:t>2024-11-10</a:t>
+              <a:t>2024-12-03</a:t>
             </a:fld>
             <a:endParaRPr lang="ko-KR" altLang="en-US"/>
           </a:p>
@@ -1961,7 +1968,7 @@
           <a:p>
             <a:fld id="{8E62E4A1-4640-4B73-8EDE-01AEB25BAF65}" type="datetimeFigureOut">
               <a:rPr lang="ko-KR" altLang="en-US" smtClean="0"/>
-              <a:t>2024-11-10</a:t>
+              <a:t>2024-12-03</a:t>
             </a:fld>
             <a:endParaRPr lang="ko-KR" altLang="en-US"/>
           </a:p>
@@ -2074,7 +2081,7 @@
           <a:p>
             <a:fld id="{8E62E4A1-4640-4B73-8EDE-01AEB25BAF65}" type="datetimeFigureOut">
               <a:rPr lang="ko-KR" altLang="en-US" smtClean="0"/>
-              <a:t>2024-11-10</a:t>
+              <a:t>2024-12-03</a:t>
             </a:fld>
             <a:endParaRPr lang="ko-KR" altLang="en-US"/>
           </a:p>
@@ -2385,7 +2392,7 @@
           <a:p>
             <a:fld id="{8E62E4A1-4640-4B73-8EDE-01AEB25BAF65}" type="datetimeFigureOut">
               <a:rPr lang="ko-KR" altLang="en-US" smtClean="0"/>
-              <a:t>2024-11-10</a:t>
+              <a:t>2024-12-03</a:t>
             </a:fld>
             <a:endParaRPr lang="ko-KR" altLang="en-US"/>
           </a:p>
@@ -2673,7 +2680,7 @@
           <a:p>
             <a:fld id="{8E62E4A1-4640-4B73-8EDE-01AEB25BAF65}" type="datetimeFigureOut">
               <a:rPr lang="ko-KR" altLang="en-US" smtClean="0"/>
-              <a:t>2024-11-10</a:t>
+              <a:t>2024-12-03</a:t>
             </a:fld>
             <a:endParaRPr lang="ko-KR" altLang="en-US"/>
           </a:p>
@@ -2914,7 +2921,7 @@
           <a:p>
             <a:fld id="{8E62E4A1-4640-4B73-8EDE-01AEB25BAF65}" type="datetimeFigureOut">
               <a:rPr lang="ko-KR" altLang="en-US" smtClean="0"/>
-              <a:t>2024-11-10</a:t>
+              <a:t>2024-12-03</a:t>
             </a:fld>
             <a:endParaRPr lang="ko-KR" altLang="en-US"/>
           </a:p>
@@ -3534,6 +3541,2607 @@
 </p:sld>
 </file>
 
+<file path=ppt/slides/slide10.xml><?xml version="1.0" encoding="utf-8"?>
+<p:sld xmlns:a="http://schemas.openxmlformats.org/drawingml/2006/main" xmlns:r="http://schemas.openxmlformats.org/officeDocument/2006/relationships" xmlns:p="http://schemas.openxmlformats.org/presentationml/2006/main">
+  <p:cSld>
+    <p:spTree>
+      <p:nvGrpSpPr>
+        <p:cNvPr id="1" name="">
+          <a:extLst>
+            <a:ext uri="{FF2B5EF4-FFF2-40B4-BE49-F238E27FC236}">
+              <a16:creationId xmlns:a16="http://schemas.microsoft.com/office/drawing/2014/main" id="{72F65865-25E5-6FAA-73AB-7CCB022AF0D0}"/>
+            </a:ext>
+          </a:extLst>
+        </p:cNvPr>
+        <p:cNvGrpSpPr/>
+        <p:nvPr/>
+      </p:nvGrpSpPr>
+      <p:grpSpPr>
+        <a:xfrm>
+          <a:off x="0" y="0"/>
+          <a:ext cx="0" cy="0"/>
+          <a:chOff x="0" y="0"/>
+          <a:chExt cx="0" cy="0"/>
+        </a:xfrm>
+      </p:grpSpPr>
+      <p:sp>
+        <p:nvSpPr>
+          <p:cNvPr id="8" name="TextBox 7">
+            <a:extLst>
+              <a:ext uri="{FF2B5EF4-FFF2-40B4-BE49-F238E27FC236}">
+                <a16:creationId xmlns:a16="http://schemas.microsoft.com/office/drawing/2014/main" id="{76B26FEF-3111-580E-EC91-713F9743A573}"/>
+              </a:ext>
+            </a:extLst>
+          </p:cNvPr>
+          <p:cNvSpPr txBox="1"/>
+          <p:nvPr/>
+        </p:nvSpPr>
+        <p:spPr>
+          <a:xfrm>
+            <a:off x="2753428" y="440861"/>
+            <a:ext cx="9062519" cy="3670236"/>
+          </a:xfrm>
+          <a:prstGeom prst="rect">
+            <a:avLst/>
+          </a:prstGeom>
+          <a:noFill/>
+        </p:spPr>
+        <p:txBody>
+          <a:bodyPr wrap="square" rtlCol="0">
+            <a:spAutoFit/>
+          </a:bodyPr>
+          <a:lstStyle/>
+          <a:p>
+            <a:r>
+              <a:rPr lang="en-US" altLang="ko-KR" sz="1400" dirty="0"/>
+              <a:t>1</a:t>
+            </a:r>
+            <a:r>
+              <a:rPr lang="ko-KR" altLang="en-US" sz="1400" dirty="0"/>
+              <a:t>차 시도 </a:t>
+            </a:r>
+            <a:r>
+              <a:rPr lang="en-US" altLang="ko-KR" sz="1400" dirty="0"/>
+              <a:t>: </a:t>
+            </a:r>
+            <a:r>
+              <a:rPr lang="ko-KR" altLang="en-US" sz="1400" dirty="0"/>
+              <a:t>카테고리 고려하지 않고 했더니 사용자가 생각지도 못한 다른 유형의 위치가 나왔음</a:t>
+            </a:r>
+            <a:r>
+              <a:rPr lang="en-US" altLang="ko-KR" sz="1400" dirty="0"/>
+              <a:t>. </a:t>
+            </a:r>
+            <a:r>
+              <a:rPr lang="ko-KR" altLang="en-US" sz="1400" dirty="0"/>
+              <a:t>그래서 소비 카테고리 추가를 하기로 했음</a:t>
+            </a:r>
+            <a:r>
+              <a:rPr lang="en-US" altLang="ko-KR" sz="1400" dirty="0"/>
+              <a:t>. </a:t>
+            </a:r>
+            <a:r>
+              <a:rPr lang="ko-KR" altLang="en-US" sz="1400" dirty="0"/>
+              <a:t>대신 </a:t>
+            </a:r>
+            <a:r>
+              <a:rPr lang="ko-KR" altLang="en-US" sz="1400" dirty="0" err="1"/>
+              <a:t>입력값에도</a:t>
+            </a:r>
+            <a:r>
+              <a:rPr lang="ko-KR" altLang="en-US" sz="1400" dirty="0"/>
+              <a:t> 유형 추가</a:t>
+            </a:r>
+            <a:endParaRPr lang="en-US" altLang="ko-KR" sz="1400" dirty="0"/>
+          </a:p>
+          <a:p>
+            <a:endParaRPr lang="en-US" altLang="ko-KR" sz="1400" dirty="0"/>
+          </a:p>
+          <a:p>
+            <a:r>
+              <a:rPr lang="en-US" altLang="ko-KR" sz="1000" dirty="0"/>
+              <a:t>21, 22, 23, 24 12, 9 </a:t>
+            </a:r>
+            <a:r>
+              <a:rPr lang="ko-KR" altLang="en-US" sz="1000" dirty="0"/>
+              <a:t>제외</a:t>
+            </a:r>
+            <a:endParaRPr lang="en-US" altLang="ko-KR" sz="1000" dirty="0"/>
+          </a:p>
+          <a:p>
+            <a:r>
+              <a:rPr lang="ko-KR" altLang="en-US" sz="1000" dirty="0" err="1"/>
+              <a:t>먹는거</a:t>
+            </a:r>
+            <a:r>
+              <a:rPr lang="en-US" altLang="ko-KR" sz="1000" dirty="0"/>
+              <a:t>(EAT)</a:t>
+            </a:r>
+            <a:r>
+              <a:rPr lang="ko-KR" altLang="en-US" sz="1000" dirty="0"/>
+              <a:t> </a:t>
+            </a:r>
+            <a:r>
+              <a:rPr lang="en-US" altLang="ko-KR" sz="1000" dirty="0"/>
+              <a:t>: 11, </a:t>
+            </a:r>
+          </a:p>
+          <a:p>
+            <a:r>
+              <a:rPr lang="ko-KR" altLang="en-US" sz="1000" dirty="0" err="1"/>
+              <a:t>보는거</a:t>
+            </a:r>
+            <a:r>
+              <a:rPr lang="en-US" altLang="ko-KR" sz="1000" dirty="0"/>
+              <a:t>(SEE)</a:t>
+            </a:r>
+            <a:r>
+              <a:rPr lang="ko-KR" altLang="en-US" sz="1000" dirty="0"/>
+              <a:t> </a:t>
+            </a:r>
+            <a:r>
+              <a:rPr lang="en-US" altLang="ko-KR" sz="1000" dirty="0"/>
+              <a:t>: 1, 2, 3, 8</a:t>
+            </a:r>
+          </a:p>
+          <a:p>
+            <a:r>
+              <a:rPr lang="ko-KR" altLang="en-US" sz="1000" dirty="0"/>
+              <a:t>쇼핑</a:t>
+            </a:r>
+            <a:r>
+              <a:rPr lang="en-US" altLang="ko-KR" sz="1000" dirty="0"/>
+              <a:t>(SHOP)</a:t>
+            </a:r>
+            <a:r>
+              <a:rPr lang="ko-KR" altLang="en-US" sz="1000" dirty="0"/>
+              <a:t> </a:t>
+            </a:r>
+            <a:r>
+              <a:rPr lang="en-US" altLang="ko-KR" sz="1000" dirty="0"/>
+              <a:t>: 4, 10</a:t>
+            </a:r>
+          </a:p>
+          <a:p>
+            <a:r>
+              <a:rPr lang="ko-KR" altLang="en-US" sz="1000" dirty="0"/>
+              <a:t>체험</a:t>
+            </a:r>
+            <a:r>
+              <a:rPr lang="en-US" altLang="ko-KR" sz="1000" dirty="0"/>
+              <a:t>(DO)</a:t>
+            </a:r>
+            <a:r>
+              <a:rPr lang="ko-KR" altLang="en-US" sz="1000" dirty="0"/>
+              <a:t> </a:t>
+            </a:r>
+            <a:r>
+              <a:rPr lang="en-US" altLang="ko-KR" sz="1000" dirty="0"/>
+              <a:t>: 13, 5, 6</a:t>
+            </a:r>
+          </a:p>
+          <a:p>
+            <a:r>
+              <a:rPr lang="ko-KR" altLang="en-US" sz="1000" dirty="0"/>
+              <a:t>산책</a:t>
+            </a:r>
+            <a:r>
+              <a:rPr lang="en-US" altLang="ko-KR" sz="1000" dirty="0"/>
+              <a:t>(WALK)</a:t>
+            </a:r>
+            <a:r>
+              <a:rPr lang="ko-KR" altLang="en-US" sz="1000" dirty="0"/>
+              <a:t> </a:t>
+            </a:r>
+            <a:r>
+              <a:rPr lang="en-US" altLang="ko-KR" sz="1000" dirty="0"/>
+              <a:t>: 7</a:t>
+            </a:r>
+          </a:p>
+          <a:p>
+            <a:endParaRPr lang="en-US" altLang="ko-KR" sz="1400" dirty="0"/>
+          </a:p>
+          <a:p>
+            <a:r>
+              <a:rPr lang="en-US" altLang="ko-KR" sz="1400" dirty="0"/>
+              <a:t>2</a:t>
+            </a:r>
+            <a:r>
+              <a:rPr lang="ko-KR" altLang="en-US" sz="1400" dirty="0"/>
+              <a:t>차 시도 </a:t>
+            </a:r>
+            <a:r>
+              <a:rPr lang="en-US" altLang="ko-KR" sz="1400" dirty="0"/>
+              <a:t>: </a:t>
+            </a:r>
+            <a:r>
+              <a:rPr lang="ko-KR" altLang="en-US" sz="1400" dirty="0"/>
+              <a:t>온도</a:t>
+            </a:r>
+            <a:r>
+              <a:rPr lang="en-US" altLang="ko-KR" sz="1400" dirty="0"/>
+              <a:t>, </a:t>
+            </a:r>
+            <a:r>
+              <a:rPr lang="ko-KR" altLang="en-US" sz="1400" dirty="0"/>
+              <a:t>강수</a:t>
+            </a:r>
+            <a:r>
+              <a:rPr lang="en-US" altLang="ko-KR" sz="1400" dirty="0"/>
+              <a:t>, </a:t>
+            </a:r>
+            <a:r>
+              <a:rPr lang="ko-KR" altLang="en-US" sz="1400" dirty="0"/>
+              <a:t>일조에 대한 기준을 세워야 함</a:t>
+            </a:r>
+            <a:r>
+              <a:rPr lang="en-US" altLang="ko-KR" sz="1400" dirty="0"/>
+              <a:t>. 5</a:t>
+            </a:r>
+            <a:r>
+              <a:rPr lang="ko-KR" altLang="en-US" sz="1400" dirty="0"/>
+              <a:t>가지 카테고리로 나누었는데 생각보다 데이터 수가 얼마 되지 않아서 </a:t>
+            </a:r>
+            <a:r>
+              <a:rPr lang="en-US" altLang="ko-KR" sz="1400" dirty="0"/>
+              <a:t>3</a:t>
+            </a:r>
+            <a:r>
+              <a:rPr lang="ko-KR" altLang="en-US" sz="1400" dirty="0"/>
+              <a:t>가지 기준으로 정리</a:t>
+            </a:r>
+            <a:r>
+              <a:rPr lang="en-US" altLang="ko-KR" sz="1400" dirty="0"/>
+              <a:t>.</a:t>
+            </a:r>
+          </a:p>
+          <a:p>
+            <a:endParaRPr lang="en-US" altLang="ko-KR" sz="1400" dirty="0"/>
+          </a:p>
+          <a:p>
+            <a:r>
+              <a:rPr lang="en-US" altLang="ko-KR" sz="1000" dirty="0"/>
+              <a:t>EAT, DO, SHOP</a:t>
+            </a:r>
+            <a:r>
+              <a:rPr lang="ko-KR" altLang="en-US" sz="1000" dirty="0"/>
+              <a:t>으로 통합</a:t>
+            </a:r>
+            <a:endParaRPr lang="en-US" altLang="ko-KR" sz="1000" dirty="0"/>
+          </a:p>
+          <a:p>
+            <a:endParaRPr lang="en-US" altLang="ko-KR" sz="1400" dirty="0"/>
+          </a:p>
+          <a:p>
+            <a:r>
+              <a:rPr lang="en-US" altLang="ko-KR" sz="1400" dirty="0"/>
+              <a:t>3</a:t>
+            </a:r>
+            <a:r>
+              <a:rPr lang="ko-KR" altLang="en-US" sz="1400" dirty="0"/>
+              <a:t>차 시도 </a:t>
+            </a:r>
+            <a:r>
+              <a:rPr lang="en-US" altLang="ko-KR" sz="1400" dirty="0"/>
+              <a:t>: </a:t>
+            </a:r>
+          </a:p>
+          <a:p>
+            <a:endParaRPr lang="en-US" altLang="ko-KR" sz="1400" dirty="0"/>
+          </a:p>
+          <a:p>
+            <a:endParaRPr lang="en-US" altLang="ko-KR" sz="1400" dirty="0"/>
+          </a:p>
+        </p:txBody>
+      </p:sp>
+      <p:sp>
+        <p:nvSpPr>
+          <p:cNvPr id="2" name="TextBox 1">
+            <a:extLst>
+              <a:ext uri="{FF2B5EF4-FFF2-40B4-BE49-F238E27FC236}">
+                <a16:creationId xmlns:a16="http://schemas.microsoft.com/office/drawing/2014/main" id="{7DD702FE-7638-61FC-AAAB-1006563A0BB5}"/>
+              </a:ext>
+            </a:extLst>
+          </p:cNvPr>
+          <p:cNvSpPr txBox="1"/>
+          <p:nvPr/>
+        </p:nvSpPr>
+        <p:spPr>
+          <a:xfrm>
+            <a:off x="202518" y="231648"/>
+            <a:ext cx="2252247" cy="584775"/>
+          </a:xfrm>
+          <a:prstGeom prst="rect">
+            <a:avLst/>
+          </a:prstGeom>
+          <a:noFill/>
+        </p:spPr>
+        <p:txBody>
+          <a:bodyPr wrap="square" rtlCol="0">
+            <a:spAutoFit/>
+          </a:bodyPr>
+          <a:lstStyle/>
+          <a:p>
+            <a:r>
+              <a:rPr lang="en-US" altLang="ko-KR" sz="3200" b="1" dirty="0"/>
+              <a:t>11</a:t>
+            </a:r>
+            <a:r>
+              <a:rPr lang="ko-KR" altLang="en-US" sz="3200" b="1" dirty="0"/>
+              <a:t>월 </a:t>
+            </a:r>
+            <a:r>
+              <a:rPr lang="en-US" altLang="ko-KR" sz="3200" b="1" dirty="0"/>
+              <a:t>30</a:t>
+            </a:r>
+            <a:r>
+              <a:rPr lang="ko-KR" altLang="en-US" sz="3200" b="1" dirty="0"/>
+              <a:t>일</a:t>
+            </a:r>
+          </a:p>
+        </p:txBody>
+      </p:sp>
+    </p:spTree>
+    <p:extLst>
+      <p:ext uri="{BB962C8B-B14F-4D97-AF65-F5344CB8AC3E}">
+        <p14:creationId xmlns:p14="http://schemas.microsoft.com/office/powerpoint/2010/main" val="2651687862"/>
+      </p:ext>
+    </p:extLst>
+  </p:cSld>
+  <p:clrMapOvr>
+    <a:masterClrMapping/>
+  </p:clrMapOvr>
+</p:sld>
+</file>
+
+<file path=ppt/slides/slide11.xml><?xml version="1.0" encoding="utf-8"?>
+<p:sld xmlns:a="http://schemas.openxmlformats.org/drawingml/2006/main" xmlns:r="http://schemas.openxmlformats.org/officeDocument/2006/relationships" xmlns:p="http://schemas.openxmlformats.org/presentationml/2006/main">
+  <p:cSld>
+    <p:spTree>
+      <p:nvGrpSpPr>
+        <p:cNvPr id="1" name="">
+          <a:extLst>
+            <a:ext uri="{FF2B5EF4-FFF2-40B4-BE49-F238E27FC236}">
+              <a16:creationId xmlns:a16="http://schemas.microsoft.com/office/drawing/2014/main" id="{4231B776-BF5B-D7F0-ED6A-4A04FD314963}"/>
+            </a:ext>
+          </a:extLst>
+        </p:cNvPr>
+        <p:cNvGrpSpPr/>
+        <p:nvPr/>
+      </p:nvGrpSpPr>
+      <p:grpSpPr>
+        <a:xfrm>
+          <a:off x="0" y="0"/>
+          <a:ext cx="0" cy="0"/>
+          <a:chOff x="0" y="0"/>
+          <a:chExt cx="0" cy="0"/>
+        </a:xfrm>
+      </p:grpSpPr>
+      <p:sp>
+        <p:nvSpPr>
+          <p:cNvPr id="2" name="TextBox 1">
+            <a:extLst>
+              <a:ext uri="{FF2B5EF4-FFF2-40B4-BE49-F238E27FC236}">
+                <a16:creationId xmlns:a16="http://schemas.microsoft.com/office/drawing/2014/main" id="{0353DD97-D4C6-D127-4D73-2DC1721DC41C}"/>
+              </a:ext>
+            </a:extLst>
+          </p:cNvPr>
+          <p:cNvSpPr txBox="1"/>
+          <p:nvPr/>
+        </p:nvSpPr>
+        <p:spPr>
+          <a:xfrm>
+            <a:off x="202518" y="231648"/>
+            <a:ext cx="2252247" cy="584775"/>
+          </a:xfrm>
+          <a:prstGeom prst="rect">
+            <a:avLst/>
+          </a:prstGeom>
+          <a:noFill/>
+        </p:spPr>
+        <p:txBody>
+          <a:bodyPr wrap="square" rtlCol="0">
+            <a:spAutoFit/>
+          </a:bodyPr>
+          <a:lstStyle/>
+          <a:p>
+            <a:r>
+              <a:rPr lang="en-US" altLang="ko-KR" sz="3200" b="1" dirty="0"/>
+              <a:t>12</a:t>
+            </a:r>
+            <a:r>
+              <a:rPr lang="ko-KR" altLang="en-US" sz="3200" b="1" dirty="0"/>
+              <a:t>월 </a:t>
+            </a:r>
+            <a:r>
+              <a:rPr lang="en-US" altLang="ko-KR" sz="3200" b="1" dirty="0"/>
+              <a:t>3</a:t>
+            </a:r>
+            <a:r>
+              <a:rPr lang="ko-KR" altLang="en-US" sz="3200" b="1" dirty="0"/>
+              <a:t>일</a:t>
+            </a:r>
+          </a:p>
+        </p:txBody>
+      </p:sp>
+      <p:sp>
+        <p:nvSpPr>
+          <p:cNvPr id="3" name="TextBox 2">
+            <a:extLst>
+              <a:ext uri="{FF2B5EF4-FFF2-40B4-BE49-F238E27FC236}">
+                <a16:creationId xmlns:a16="http://schemas.microsoft.com/office/drawing/2014/main" id="{F44169B9-4984-353A-47B4-04E52D6B485F}"/>
+              </a:ext>
+            </a:extLst>
+          </p:cNvPr>
+          <p:cNvSpPr txBox="1"/>
+          <p:nvPr/>
+        </p:nvSpPr>
+        <p:spPr>
+          <a:xfrm>
+            <a:off x="2753428" y="440861"/>
+            <a:ext cx="9062519" cy="1169551"/>
+          </a:xfrm>
+          <a:prstGeom prst="rect">
+            <a:avLst/>
+          </a:prstGeom>
+          <a:noFill/>
+        </p:spPr>
+        <p:txBody>
+          <a:bodyPr wrap="square" rtlCol="0">
+            <a:spAutoFit/>
+          </a:bodyPr>
+          <a:lstStyle/>
+          <a:p>
+            <a:r>
+              <a:rPr lang="en-US" altLang="ko-KR" sz="1400" dirty="0"/>
+              <a:t>1.</a:t>
+            </a:r>
+            <a:r>
+              <a:rPr lang="ko-KR" altLang="en-US" sz="1400" dirty="0"/>
+              <a:t> 날씨와 만족도 간의 관계 학습 </a:t>
+            </a:r>
+            <a:r>
+              <a:rPr lang="en-US" altLang="ko-KR" sz="1400" dirty="0"/>
+              <a:t>: </a:t>
+            </a:r>
+            <a:r>
+              <a:rPr lang="ko-KR" altLang="en-US" sz="1400" dirty="0" err="1"/>
+              <a:t>머신러닝</a:t>
+            </a:r>
+            <a:r>
+              <a:rPr lang="ko-KR" altLang="en-US" sz="1400" dirty="0"/>
+              <a:t> 모델</a:t>
+            </a:r>
+            <a:r>
+              <a:rPr lang="en-US" altLang="ko-KR" sz="1400" dirty="0"/>
+              <a:t>(</a:t>
+            </a:r>
+            <a:r>
+              <a:rPr lang="en-US" altLang="ko-KR" sz="1400" dirty="0" err="1"/>
+              <a:t>XGBoost</a:t>
+            </a:r>
+            <a:r>
+              <a:rPr lang="en-US" altLang="ko-KR" sz="1400" dirty="0"/>
+              <a:t>, Random Forest </a:t>
+            </a:r>
+            <a:r>
+              <a:rPr lang="ko-KR" altLang="en-US" sz="1400" dirty="0"/>
+              <a:t>등</a:t>
+            </a:r>
+            <a:r>
+              <a:rPr lang="en-US" altLang="ko-KR" sz="1400" dirty="0"/>
+              <a:t>)</a:t>
+            </a:r>
+            <a:r>
+              <a:rPr lang="ko-KR" altLang="en-US" sz="1400" dirty="0"/>
+              <a:t>로 날씨가 만족도에 미치는 영향을 학습</a:t>
+            </a:r>
+            <a:endParaRPr lang="en-US" altLang="ko-KR" sz="1400" dirty="0"/>
+          </a:p>
+          <a:p>
+            <a:r>
+              <a:rPr lang="en-US" altLang="ko-KR" sz="1400" dirty="0"/>
+              <a:t>2. </a:t>
+            </a:r>
+            <a:r>
+              <a:rPr lang="ko-KR" altLang="en-US" sz="1400" dirty="0"/>
+              <a:t>사용자 맞춤 추천</a:t>
+            </a:r>
+            <a:r>
+              <a:rPr lang="en-US" altLang="ko-KR" sz="1400" dirty="0"/>
+              <a:t> : </a:t>
+            </a:r>
+            <a:r>
+              <a:rPr lang="ko-KR" altLang="en-US" sz="1400" dirty="0"/>
+              <a:t>딥러닝 모델</a:t>
+            </a:r>
+            <a:r>
+              <a:rPr lang="en-US" altLang="ko-KR" sz="1400" dirty="0"/>
+              <a:t>(Wide &amp; Deep, Matrix Factorization)</a:t>
+            </a:r>
+            <a:r>
+              <a:rPr lang="ko-KR" altLang="en-US" sz="1400" dirty="0"/>
+              <a:t>을 통해 사용자와 장소 간의 복잡한 관계 학습</a:t>
+            </a:r>
+            <a:endParaRPr lang="en-US" altLang="ko-KR" sz="1400" dirty="0"/>
+          </a:p>
+          <a:p>
+            <a:r>
+              <a:rPr lang="en-US" altLang="ko-KR" sz="1400" dirty="0"/>
+              <a:t>3. </a:t>
+            </a:r>
+            <a:r>
+              <a:rPr lang="ko-KR" altLang="en-US" sz="1400" dirty="0"/>
+              <a:t>추천 결과 다양화 </a:t>
+            </a:r>
+            <a:r>
+              <a:rPr lang="en-US" altLang="ko-KR" sz="1400" dirty="0"/>
+              <a:t>: </a:t>
+            </a:r>
+            <a:r>
+              <a:rPr lang="ko-KR" altLang="en-US" sz="1400" dirty="0"/>
+              <a:t>다양한 사용자 조건과 데이터 패턴을 학습하여 더 다양한 장소를 추천</a:t>
+            </a:r>
+            <a:endParaRPr lang="en-US" altLang="ko-KR" sz="1400" dirty="0"/>
+          </a:p>
+        </p:txBody>
+      </p:sp>
+    </p:spTree>
+    <p:extLst>
+      <p:ext uri="{BB962C8B-B14F-4D97-AF65-F5344CB8AC3E}">
+        <p14:creationId xmlns:p14="http://schemas.microsoft.com/office/powerpoint/2010/main" val="2983754240"/>
+      </p:ext>
+    </p:extLst>
+  </p:cSld>
+  <p:clrMapOvr>
+    <a:masterClrMapping/>
+  </p:clrMapOvr>
+</p:sld>
+</file>
+
+<file path=ppt/slides/slide12.xml><?xml version="1.0" encoding="utf-8"?>
+<p:sld xmlns:a="http://schemas.openxmlformats.org/drawingml/2006/main" xmlns:r="http://schemas.openxmlformats.org/officeDocument/2006/relationships" xmlns:p="http://schemas.openxmlformats.org/presentationml/2006/main">
+  <p:cSld>
+    <p:spTree>
+      <p:nvGrpSpPr>
+        <p:cNvPr id="1" name="">
+          <a:extLst>
+            <a:ext uri="{FF2B5EF4-FFF2-40B4-BE49-F238E27FC236}">
+              <a16:creationId xmlns:a16="http://schemas.microsoft.com/office/drawing/2014/main" id="{682041D7-A1CF-0FE7-36A4-6AE12583524F}"/>
+            </a:ext>
+          </a:extLst>
+        </p:cNvPr>
+        <p:cNvGrpSpPr/>
+        <p:nvPr/>
+      </p:nvGrpSpPr>
+      <p:grpSpPr>
+        <a:xfrm>
+          <a:off x="0" y="0"/>
+          <a:ext cx="0" cy="0"/>
+          <a:chOff x="0" y="0"/>
+          <a:chExt cx="0" cy="0"/>
+        </a:xfrm>
+      </p:grpSpPr>
+      <p:sp>
+        <p:nvSpPr>
+          <p:cNvPr id="2" name="TextBox 1">
+            <a:extLst>
+              <a:ext uri="{FF2B5EF4-FFF2-40B4-BE49-F238E27FC236}">
+                <a16:creationId xmlns:a16="http://schemas.microsoft.com/office/drawing/2014/main" id="{065E52BD-14D8-9938-5A0F-176815924584}"/>
+              </a:ext>
+            </a:extLst>
+          </p:cNvPr>
+          <p:cNvSpPr txBox="1"/>
+          <p:nvPr/>
+        </p:nvSpPr>
+        <p:spPr>
+          <a:xfrm>
+            <a:off x="202518" y="231648"/>
+            <a:ext cx="2252247" cy="584775"/>
+          </a:xfrm>
+          <a:prstGeom prst="rect">
+            <a:avLst/>
+          </a:prstGeom>
+          <a:noFill/>
+        </p:spPr>
+        <p:txBody>
+          <a:bodyPr wrap="square" rtlCol="0">
+            <a:spAutoFit/>
+          </a:bodyPr>
+          <a:lstStyle/>
+          <a:p>
+            <a:r>
+              <a:rPr lang="en-US" altLang="ko-KR" sz="3200" b="1" dirty="0"/>
+              <a:t>12</a:t>
+            </a:r>
+            <a:r>
+              <a:rPr lang="ko-KR" altLang="en-US" sz="3200" b="1" dirty="0"/>
+              <a:t>월 </a:t>
+            </a:r>
+            <a:r>
+              <a:rPr lang="en-US" altLang="ko-KR" sz="3200" b="1" dirty="0"/>
+              <a:t>3</a:t>
+            </a:r>
+            <a:r>
+              <a:rPr lang="ko-KR" altLang="en-US" sz="3200" b="1" dirty="0"/>
+              <a:t>일</a:t>
+            </a:r>
+          </a:p>
+        </p:txBody>
+      </p:sp>
+      <p:sp>
+        <p:nvSpPr>
+          <p:cNvPr id="3" name="TextBox 2">
+            <a:extLst>
+              <a:ext uri="{FF2B5EF4-FFF2-40B4-BE49-F238E27FC236}">
+                <a16:creationId xmlns:a16="http://schemas.microsoft.com/office/drawing/2014/main" id="{868836CA-4766-251E-050D-90B56A603CCE}"/>
+              </a:ext>
+            </a:extLst>
+          </p:cNvPr>
+          <p:cNvSpPr txBox="1"/>
+          <p:nvPr/>
+        </p:nvSpPr>
+        <p:spPr>
+          <a:xfrm>
+            <a:off x="2454765" y="231648"/>
+            <a:ext cx="9062519" cy="6186309"/>
+          </a:xfrm>
+          <a:prstGeom prst="rect">
+            <a:avLst/>
+          </a:prstGeom>
+          <a:noFill/>
+        </p:spPr>
+        <p:txBody>
+          <a:bodyPr wrap="square" rtlCol="0">
+            <a:spAutoFit/>
+          </a:bodyPr>
+          <a:lstStyle/>
+          <a:p>
+            <a:r>
+              <a:rPr lang="en-US" altLang="ko-KR" sz="1800" b="0" i="0" u="none" strike="noStrike" dirty="0">
+                <a:solidFill>
+                  <a:srgbClr val="000000"/>
+                </a:solidFill>
+                <a:effectLst/>
+                <a:latin typeface="맑은 고딕" panose="020B0503020000020004" pitchFamily="50" charset="-127"/>
+                <a:ea typeface="맑은 고딕" panose="020B0503020000020004" pitchFamily="50" charset="-127"/>
+              </a:rPr>
+              <a:t>TRAVELER_ID(</a:t>
+            </a:r>
+            <a:r>
+              <a:rPr lang="ko-KR" altLang="en-US" sz="1800" b="0" i="0" u="none" strike="noStrike" dirty="0" err="1">
+                <a:solidFill>
+                  <a:srgbClr val="000000"/>
+                </a:solidFill>
+                <a:effectLst/>
+                <a:latin typeface="맑은 고딕" panose="020B0503020000020004" pitchFamily="50" charset="-127"/>
+                <a:ea typeface="맑은 고딕" panose="020B0503020000020004" pitchFamily="50" charset="-127"/>
+              </a:rPr>
+              <a:t>여행자아이디</a:t>
+            </a:r>
+            <a:r>
+              <a:rPr lang="en-US" altLang="ko-KR" sz="1800" b="0" i="0" u="none" strike="noStrike" dirty="0">
+                <a:solidFill>
+                  <a:srgbClr val="000000"/>
+                </a:solidFill>
+                <a:effectLst/>
+                <a:latin typeface="맑은 고딕" panose="020B0503020000020004" pitchFamily="50" charset="-127"/>
+                <a:ea typeface="맑은 고딕" panose="020B0503020000020004" pitchFamily="50" charset="-127"/>
+              </a:rPr>
+              <a:t>)</a:t>
+            </a:r>
+          </a:p>
+          <a:p>
+            <a:r>
+              <a:rPr lang="en-US" altLang="ko-KR" sz="1800" b="0" i="0" u="none" strike="noStrike" dirty="0">
+                <a:solidFill>
+                  <a:srgbClr val="000000"/>
+                </a:solidFill>
+                <a:effectLst/>
+                <a:latin typeface="맑은 고딕" panose="020B0503020000020004" pitchFamily="50" charset="-127"/>
+                <a:ea typeface="맑은 고딕" panose="020B0503020000020004" pitchFamily="50" charset="-127"/>
+              </a:rPr>
+              <a:t>GENDER(</a:t>
+            </a:r>
+            <a:r>
+              <a:rPr lang="ko-KR" altLang="en-US" sz="1800" b="0" i="0" u="none" strike="noStrike" dirty="0">
+                <a:solidFill>
+                  <a:srgbClr val="000000"/>
+                </a:solidFill>
+                <a:effectLst/>
+                <a:latin typeface="맑은 고딕" panose="020B0503020000020004" pitchFamily="50" charset="-127"/>
+                <a:ea typeface="맑은 고딕" panose="020B0503020000020004" pitchFamily="50" charset="-127"/>
+              </a:rPr>
+              <a:t>성별</a:t>
+            </a:r>
+            <a:r>
+              <a:rPr lang="en-US" altLang="ko-KR" sz="1800" b="0" i="0" u="none" strike="noStrike" dirty="0">
+                <a:solidFill>
+                  <a:srgbClr val="000000"/>
+                </a:solidFill>
+                <a:effectLst/>
+                <a:latin typeface="맑은 고딕" panose="020B0503020000020004" pitchFamily="50" charset="-127"/>
+                <a:ea typeface="맑은 고딕" panose="020B0503020000020004" pitchFamily="50" charset="-127"/>
+              </a:rPr>
+              <a:t>)</a:t>
+            </a:r>
+            <a:endParaRPr lang="en-US" altLang="ko-KR" sz="1400" b="0" i="0" u="none" strike="noStrike" dirty="0">
+              <a:solidFill>
+                <a:srgbClr val="000000"/>
+              </a:solidFill>
+              <a:effectLst/>
+              <a:latin typeface="맑은 고딕" panose="020B0503020000020004" pitchFamily="50" charset="-127"/>
+              <a:ea typeface="맑은 고딕" panose="020B0503020000020004" pitchFamily="50" charset="-127"/>
+            </a:endParaRPr>
+          </a:p>
+          <a:p>
+            <a:r>
+              <a:rPr lang="en-US" altLang="ko-KR" sz="1800" b="0" i="0" u="none" strike="noStrike" dirty="0">
+                <a:solidFill>
+                  <a:srgbClr val="000000"/>
+                </a:solidFill>
+                <a:effectLst/>
+                <a:latin typeface="맑은 고딕" panose="020B0503020000020004" pitchFamily="50" charset="-127"/>
+                <a:ea typeface="맑은 고딕" panose="020B0503020000020004" pitchFamily="50" charset="-127"/>
+              </a:rPr>
+              <a:t>AGE_GRP(</a:t>
+            </a:r>
+            <a:r>
+              <a:rPr lang="ko-KR" altLang="en-US" sz="1800" b="0" i="0" u="none" strike="noStrike" dirty="0">
+                <a:solidFill>
+                  <a:srgbClr val="000000"/>
+                </a:solidFill>
+                <a:effectLst/>
+                <a:latin typeface="맑은 고딕" panose="020B0503020000020004" pitchFamily="50" charset="-127"/>
+                <a:ea typeface="맑은 고딕" panose="020B0503020000020004" pitchFamily="50" charset="-127"/>
+              </a:rPr>
+              <a:t>연령대</a:t>
+            </a:r>
+            <a:r>
+              <a:rPr lang="en-US" altLang="ko-KR" sz="1800" b="0" i="0" u="none" strike="noStrike" dirty="0">
+                <a:solidFill>
+                  <a:srgbClr val="000000"/>
+                </a:solidFill>
+                <a:effectLst/>
+                <a:latin typeface="맑은 고딕" panose="020B0503020000020004" pitchFamily="50" charset="-127"/>
+                <a:ea typeface="맑은 고딕" panose="020B0503020000020004" pitchFamily="50" charset="-127"/>
+              </a:rPr>
+              <a:t>)</a:t>
+            </a:r>
+            <a:endParaRPr lang="en-US" altLang="ko-KR" sz="1400" b="0" i="0" u="none" strike="noStrike" dirty="0">
+              <a:solidFill>
+                <a:srgbClr val="000000"/>
+              </a:solidFill>
+              <a:effectLst/>
+              <a:latin typeface="맑은 고딕" panose="020B0503020000020004" pitchFamily="50" charset="-127"/>
+              <a:ea typeface="맑은 고딕" panose="020B0503020000020004" pitchFamily="50" charset="-127"/>
+            </a:endParaRPr>
+          </a:p>
+          <a:p>
+            <a:r>
+              <a:rPr lang="en-US" altLang="ko-KR" sz="1800" b="0" i="0" u="none" strike="noStrike" dirty="0">
+                <a:solidFill>
+                  <a:srgbClr val="000000"/>
+                </a:solidFill>
+                <a:effectLst/>
+                <a:latin typeface="맑은 고딕" panose="020B0503020000020004" pitchFamily="50" charset="-127"/>
+                <a:ea typeface="맑은 고딕" panose="020B0503020000020004" pitchFamily="50" charset="-127"/>
+              </a:rPr>
+              <a:t>REVISIT_YN(</a:t>
+            </a:r>
+            <a:r>
+              <a:rPr lang="ko-KR" altLang="en-US" sz="1800" b="0" i="0" u="none" strike="noStrike" dirty="0">
+                <a:solidFill>
+                  <a:srgbClr val="000000"/>
+                </a:solidFill>
+                <a:effectLst/>
+                <a:latin typeface="맑은 고딕" panose="020B0503020000020004" pitchFamily="50" charset="-127"/>
+                <a:ea typeface="맑은 고딕" panose="020B0503020000020004" pitchFamily="50" charset="-127"/>
+              </a:rPr>
+              <a:t>재방문여부</a:t>
+            </a:r>
+            <a:r>
+              <a:rPr lang="en-US" altLang="ko-KR" sz="1800" b="0" i="0" u="none" strike="noStrike" dirty="0">
+                <a:solidFill>
+                  <a:srgbClr val="000000"/>
+                </a:solidFill>
+                <a:effectLst/>
+                <a:latin typeface="맑은 고딕" panose="020B0503020000020004" pitchFamily="50" charset="-127"/>
+                <a:ea typeface="맑은 고딕" panose="020B0503020000020004" pitchFamily="50" charset="-127"/>
+              </a:rPr>
+              <a:t>)</a:t>
+            </a:r>
+            <a:endParaRPr lang="en-US" altLang="ko-KR" sz="1400" b="0" i="0" u="none" strike="noStrike" dirty="0">
+              <a:solidFill>
+                <a:srgbClr val="000000"/>
+              </a:solidFill>
+              <a:effectLst/>
+              <a:latin typeface="맑은 고딕" panose="020B0503020000020004" pitchFamily="50" charset="-127"/>
+              <a:ea typeface="맑은 고딕" panose="020B0503020000020004" pitchFamily="50" charset="-127"/>
+            </a:endParaRPr>
+          </a:p>
+          <a:p>
+            <a:r>
+              <a:rPr lang="en-US" altLang="ko-KR" sz="1800" b="0" i="0" u="none" strike="noStrike" dirty="0">
+                <a:solidFill>
+                  <a:srgbClr val="000000"/>
+                </a:solidFill>
+                <a:effectLst/>
+                <a:latin typeface="맑은 고딕" panose="020B0503020000020004" pitchFamily="50" charset="-127"/>
+                <a:ea typeface="맑은 고딕" panose="020B0503020000020004" pitchFamily="50" charset="-127"/>
+              </a:rPr>
+              <a:t>DGSTFN(</a:t>
+            </a:r>
+            <a:r>
+              <a:rPr lang="ko-KR" altLang="en-US" sz="1800" b="0" i="0" u="none" strike="noStrike" dirty="0">
+                <a:solidFill>
+                  <a:srgbClr val="000000"/>
+                </a:solidFill>
+                <a:effectLst/>
+                <a:latin typeface="맑은 고딕" panose="020B0503020000020004" pitchFamily="50" charset="-127"/>
+                <a:ea typeface="맑은 고딕" panose="020B0503020000020004" pitchFamily="50" charset="-127"/>
+              </a:rPr>
+              <a:t>만족도</a:t>
+            </a:r>
+            <a:r>
+              <a:rPr lang="en-US" altLang="ko-KR" sz="1800" b="0" i="0" u="none" strike="noStrike" dirty="0">
+                <a:solidFill>
+                  <a:srgbClr val="000000"/>
+                </a:solidFill>
+                <a:effectLst/>
+                <a:latin typeface="맑은 고딕" panose="020B0503020000020004" pitchFamily="50" charset="-127"/>
+                <a:ea typeface="맑은 고딕" panose="020B0503020000020004" pitchFamily="50" charset="-127"/>
+              </a:rPr>
+              <a:t>)</a:t>
+            </a:r>
+            <a:endParaRPr lang="en-US" altLang="ko-KR" sz="1400" b="0" i="0" u="none" strike="noStrike" dirty="0">
+              <a:solidFill>
+                <a:srgbClr val="000000"/>
+              </a:solidFill>
+              <a:effectLst/>
+              <a:latin typeface="맑은 고딕" panose="020B0503020000020004" pitchFamily="50" charset="-127"/>
+              <a:ea typeface="맑은 고딕" panose="020B0503020000020004" pitchFamily="50" charset="-127"/>
+            </a:endParaRPr>
+          </a:p>
+          <a:p>
+            <a:r>
+              <a:rPr lang="en-US" altLang="ko-KR" sz="1800" b="0" i="0" u="none" strike="noStrike" dirty="0">
+                <a:solidFill>
+                  <a:srgbClr val="000000"/>
+                </a:solidFill>
+                <a:effectLst/>
+                <a:latin typeface="맑은 고딕" panose="020B0503020000020004" pitchFamily="50" charset="-127"/>
+                <a:ea typeface="맑은 고딕" panose="020B0503020000020004" pitchFamily="50" charset="-127"/>
+              </a:rPr>
+              <a:t>REVISIT_INTENTION(</a:t>
+            </a:r>
+            <a:r>
+              <a:rPr lang="ko-KR" altLang="en-US" sz="1800" b="0" i="0" u="none" strike="noStrike" dirty="0">
+                <a:solidFill>
+                  <a:srgbClr val="000000"/>
+                </a:solidFill>
+                <a:effectLst/>
+                <a:latin typeface="맑은 고딕" panose="020B0503020000020004" pitchFamily="50" charset="-127"/>
+                <a:ea typeface="맑은 고딕" panose="020B0503020000020004" pitchFamily="50" charset="-127"/>
+              </a:rPr>
+              <a:t>재방문의사</a:t>
+            </a:r>
+            <a:r>
+              <a:rPr lang="en-US" altLang="ko-KR" sz="1800" b="0" i="0" u="none" strike="noStrike" dirty="0">
+                <a:solidFill>
+                  <a:srgbClr val="000000"/>
+                </a:solidFill>
+                <a:effectLst/>
+                <a:latin typeface="맑은 고딕" panose="020B0503020000020004" pitchFamily="50" charset="-127"/>
+                <a:ea typeface="맑은 고딕" panose="020B0503020000020004" pitchFamily="50" charset="-127"/>
+              </a:rPr>
+              <a:t>)</a:t>
+            </a:r>
+            <a:endParaRPr lang="en-US" altLang="ko-KR" sz="1400" b="0" i="0" u="none" strike="noStrike" dirty="0">
+              <a:solidFill>
+                <a:srgbClr val="000000"/>
+              </a:solidFill>
+              <a:effectLst/>
+              <a:latin typeface="맑은 고딕" panose="020B0503020000020004" pitchFamily="50" charset="-127"/>
+              <a:ea typeface="맑은 고딕" panose="020B0503020000020004" pitchFamily="50" charset="-127"/>
+            </a:endParaRPr>
+          </a:p>
+          <a:p>
+            <a:r>
+              <a:rPr lang="en-US" altLang="ko-KR" sz="1800" b="0" i="0" u="none" strike="noStrike" dirty="0">
+                <a:solidFill>
+                  <a:srgbClr val="000000"/>
+                </a:solidFill>
+                <a:effectLst/>
+                <a:latin typeface="맑은 고딕" panose="020B0503020000020004" pitchFamily="50" charset="-127"/>
+                <a:ea typeface="맑은 고딕" panose="020B0503020000020004" pitchFamily="50" charset="-127"/>
+              </a:rPr>
+              <a:t>RCMDTN_INTENTION(</a:t>
+            </a:r>
+            <a:r>
+              <a:rPr lang="ko-KR" altLang="en-US" sz="1800" b="0" i="0" u="none" strike="noStrike" dirty="0">
+                <a:solidFill>
+                  <a:srgbClr val="000000"/>
+                </a:solidFill>
+                <a:effectLst/>
+                <a:latin typeface="맑은 고딕" panose="020B0503020000020004" pitchFamily="50" charset="-127"/>
+                <a:ea typeface="맑은 고딕" panose="020B0503020000020004" pitchFamily="50" charset="-127"/>
+              </a:rPr>
+              <a:t>추천의사</a:t>
+            </a:r>
+            <a:r>
+              <a:rPr lang="en-US" altLang="ko-KR" sz="1800" b="0" i="0" u="none" strike="noStrike" dirty="0">
+                <a:solidFill>
+                  <a:srgbClr val="000000"/>
+                </a:solidFill>
+                <a:effectLst/>
+                <a:latin typeface="맑은 고딕" panose="020B0503020000020004" pitchFamily="50" charset="-127"/>
+                <a:ea typeface="맑은 고딕" panose="020B0503020000020004" pitchFamily="50" charset="-127"/>
+              </a:rPr>
+              <a:t>)</a:t>
+            </a:r>
+            <a:endParaRPr lang="en-US" altLang="ko-KR" sz="1400" b="0" i="0" u="none" strike="noStrike" dirty="0">
+              <a:solidFill>
+                <a:srgbClr val="000000"/>
+              </a:solidFill>
+              <a:effectLst/>
+              <a:latin typeface="맑은 고딕" panose="020B0503020000020004" pitchFamily="50" charset="-127"/>
+              <a:ea typeface="맑은 고딕" panose="020B0503020000020004" pitchFamily="50" charset="-127"/>
+            </a:endParaRPr>
+          </a:p>
+          <a:p>
+            <a:r>
+              <a:rPr lang="en-US" altLang="ko-KR" sz="1800" b="0" i="0" u="none" strike="noStrike" dirty="0">
+                <a:solidFill>
+                  <a:srgbClr val="000000"/>
+                </a:solidFill>
+                <a:effectLst/>
+                <a:latin typeface="맑은 고딕" panose="020B0503020000020004" pitchFamily="50" charset="-127"/>
+                <a:ea typeface="맑은 고딕" panose="020B0503020000020004" pitchFamily="50" charset="-127"/>
+              </a:rPr>
+              <a:t>VISIT_AREA_TYPE_CD</a:t>
+            </a:r>
+            <a:endParaRPr lang="en-US" altLang="ko-KR" sz="1400" b="0" i="0" u="none" strike="noStrike" dirty="0">
+              <a:solidFill>
+                <a:srgbClr val="000000"/>
+              </a:solidFill>
+              <a:effectLst/>
+              <a:latin typeface="맑은 고딕" panose="020B0503020000020004" pitchFamily="50" charset="-127"/>
+              <a:ea typeface="맑은 고딕" panose="020B0503020000020004" pitchFamily="50" charset="-127"/>
+            </a:endParaRPr>
+          </a:p>
+          <a:p>
+            <a:r>
+              <a:rPr lang="en-US" altLang="ko-KR" sz="1800" b="0" i="0" u="none" strike="noStrike" dirty="0">
+                <a:solidFill>
+                  <a:srgbClr val="000000"/>
+                </a:solidFill>
+                <a:effectLst/>
+                <a:latin typeface="맑은 고딕" panose="020B0503020000020004" pitchFamily="50" charset="-127"/>
+                <a:ea typeface="맑은 고딕" panose="020B0503020000020004" pitchFamily="50" charset="-127"/>
+              </a:rPr>
+              <a:t>TRAVEL_ID(</a:t>
+            </a:r>
+            <a:r>
+              <a:rPr lang="ko-KR" altLang="en-US" sz="1800" b="0" i="0" u="none" strike="noStrike" dirty="0" err="1">
+                <a:solidFill>
+                  <a:srgbClr val="000000"/>
+                </a:solidFill>
+                <a:effectLst/>
+                <a:latin typeface="맑은 고딕" panose="020B0503020000020004" pitchFamily="50" charset="-127"/>
+                <a:ea typeface="맑은 고딕" panose="020B0503020000020004" pitchFamily="50" charset="-127"/>
+              </a:rPr>
+              <a:t>여행아이디</a:t>
+            </a:r>
+            <a:r>
+              <a:rPr lang="en-US" altLang="ko-KR" sz="1800" b="0" i="0" u="none" strike="noStrike" dirty="0">
+                <a:solidFill>
+                  <a:srgbClr val="000000"/>
+                </a:solidFill>
+                <a:effectLst/>
+                <a:latin typeface="맑은 고딕" panose="020B0503020000020004" pitchFamily="50" charset="-127"/>
+                <a:ea typeface="맑은 고딕" panose="020B0503020000020004" pitchFamily="50" charset="-127"/>
+              </a:rPr>
+              <a:t>)</a:t>
+            </a:r>
+            <a:endParaRPr lang="en-US" altLang="ko-KR" sz="1400" b="0" i="0" u="none" strike="noStrike" dirty="0">
+              <a:solidFill>
+                <a:srgbClr val="000000"/>
+              </a:solidFill>
+              <a:effectLst/>
+              <a:latin typeface="맑은 고딕" panose="020B0503020000020004" pitchFamily="50" charset="-127"/>
+              <a:ea typeface="맑은 고딕" panose="020B0503020000020004" pitchFamily="50" charset="-127"/>
+            </a:endParaRPr>
+          </a:p>
+          <a:p>
+            <a:r>
+              <a:rPr lang="en-US" altLang="ko-KR" sz="1800" b="0" i="0" u="none" strike="noStrike" dirty="0">
+                <a:solidFill>
+                  <a:srgbClr val="000000"/>
+                </a:solidFill>
+                <a:effectLst/>
+                <a:latin typeface="맑은 고딕" panose="020B0503020000020004" pitchFamily="50" charset="-127"/>
+                <a:ea typeface="맑은 고딕" panose="020B0503020000020004" pitchFamily="50" charset="-127"/>
+              </a:rPr>
+              <a:t>VISIT_AREA_ID(</a:t>
+            </a:r>
+            <a:r>
+              <a:rPr lang="ko-KR" altLang="en-US" sz="1800" b="0" i="0" u="none" strike="noStrike" dirty="0" err="1">
+                <a:solidFill>
+                  <a:srgbClr val="000000"/>
+                </a:solidFill>
+                <a:effectLst/>
+                <a:latin typeface="맑은 고딕" panose="020B0503020000020004" pitchFamily="50" charset="-127"/>
+                <a:ea typeface="맑은 고딕" panose="020B0503020000020004" pitchFamily="50" charset="-127"/>
+              </a:rPr>
+              <a:t>방문지아이디</a:t>
+            </a:r>
+            <a:r>
+              <a:rPr lang="en-US" altLang="ko-KR" sz="1800" b="0" i="0" u="none" strike="noStrike" dirty="0">
+                <a:solidFill>
+                  <a:srgbClr val="000000"/>
+                </a:solidFill>
+                <a:effectLst/>
+                <a:latin typeface="맑은 고딕" panose="020B0503020000020004" pitchFamily="50" charset="-127"/>
+                <a:ea typeface="맑은 고딕" panose="020B0503020000020004" pitchFamily="50" charset="-127"/>
+              </a:rPr>
+              <a:t>)</a:t>
+            </a:r>
+            <a:endParaRPr lang="en-US" altLang="ko-KR" sz="1400" b="0" i="0" u="none" strike="noStrike" dirty="0">
+              <a:solidFill>
+                <a:srgbClr val="000000"/>
+              </a:solidFill>
+              <a:effectLst/>
+              <a:latin typeface="맑은 고딕" panose="020B0503020000020004" pitchFamily="50" charset="-127"/>
+              <a:ea typeface="맑은 고딕" panose="020B0503020000020004" pitchFamily="50" charset="-127"/>
+            </a:endParaRPr>
+          </a:p>
+          <a:p>
+            <a:r>
+              <a:rPr lang="en-US" altLang="ko-KR" sz="1800" b="0" i="0" u="none" strike="noStrike" dirty="0">
+                <a:solidFill>
+                  <a:srgbClr val="000000"/>
+                </a:solidFill>
+                <a:effectLst/>
+                <a:latin typeface="맑은 고딕" panose="020B0503020000020004" pitchFamily="50" charset="-127"/>
+                <a:ea typeface="맑은 고딕" panose="020B0503020000020004" pitchFamily="50" charset="-127"/>
+              </a:rPr>
+              <a:t>BRNO(</a:t>
+            </a:r>
+            <a:r>
+              <a:rPr lang="ko-KR" altLang="en-US" sz="1800" b="0" i="0" u="none" strike="noStrike" dirty="0">
+                <a:solidFill>
+                  <a:srgbClr val="000000"/>
+                </a:solidFill>
+                <a:effectLst/>
+                <a:latin typeface="맑은 고딕" panose="020B0503020000020004" pitchFamily="50" charset="-127"/>
+                <a:ea typeface="맑은 고딕" panose="020B0503020000020004" pitchFamily="50" charset="-127"/>
+              </a:rPr>
+              <a:t>사업자등록번호</a:t>
+            </a:r>
+            <a:r>
+              <a:rPr lang="en-US" altLang="ko-KR" sz="1800" b="0" i="0" u="none" strike="noStrike" dirty="0">
+                <a:solidFill>
+                  <a:srgbClr val="000000"/>
+                </a:solidFill>
+                <a:effectLst/>
+                <a:latin typeface="맑은 고딕" panose="020B0503020000020004" pitchFamily="50" charset="-127"/>
+                <a:ea typeface="맑은 고딕" panose="020B0503020000020004" pitchFamily="50" charset="-127"/>
+              </a:rPr>
+              <a:t>)</a:t>
+            </a:r>
+            <a:endParaRPr lang="en-US" altLang="ko-KR" sz="1400" b="0" i="0" u="none" strike="noStrike" dirty="0">
+              <a:solidFill>
+                <a:srgbClr val="000000"/>
+              </a:solidFill>
+              <a:effectLst/>
+              <a:latin typeface="맑은 고딕" panose="020B0503020000020004" pitchFamily="50" charset="-127"/>
+              <a:ea typeface="맑은 고딕" panose="020B0503020000020004" pitchFamily="50" charset="-127"/>
+            </a:endParaRPr>
+          </a:p>
+          <a:p>
+            <a:r>
+              <a:rPr lang="en-US" altLang="ko-KR" sz="1800" b="0" i="0" u="none" strike="noStrike" dirty="0">
+                <a:solidFill>
+                  <a:srgbClr val="000000"/>
+                </a:solidFill>
+                <a:effectLst/>
+                <a:latin typeface="맑은 고딕" panose="020B0503020000020004" pitchFamily="50" charset="-127"/>
+                <a:ea typeface="맑은 고딕" panose="020B0503020000020004" pitchFamily="50" charset="-127"/>
+              </a:rPr>
+              <a:t>STORE_NM(</a:t>
+            </a:r>
+            <a:r>
+              <a:rPr lang="ko-KR" altLang="en-US" sz="1800" b="0" i="0" u="none" strike="noStrike" dirty="0">
+                <a:solidFill>
+                  <a:srgbClr val="000000"/>
+                </a:solidFill>
+                <a:effectLst/>
+                <a:latin typeface="맑은 고딕" panose="020B0503020000020004" pitchFamily="50" charset="-127"/>
+                <a:ea typeface="맑은 고딕" panose="020B0503020000020004" pitchFamily="50" charset="-127"/>
+              </a:rPr>
+              <a:t>상호명</a:t>
+            </a:r>
+            <a:r>
+              <a:rPr lang="en-US" altLang="ko-KR" sz="1800" b="0" i="0" u="none" strike="noStrike" dirty="0">
+                <a:solidFill>
+                  <a:srgbClr val="000000"/>
+                </a:solidFill>
+                <a:effectLst/>
+                <a:latin typeface="맑은 고딕" panose="020B0503020000020004" pitchFamily="50" charset="-127"/>
+                <a:ea typeface="맑은 고딕" panose="020B0503020000020004" pitchFamily="50" charset="-127"/>
+              </a:rPr>
+              <a:t>)</a:t>
+            </a:r>
+            <a:endParaRPr lang="en-US" altLang="ko-KR" sz="1400" b="0" i="0" u="none" strike="noStrike" dirty="0">
+              <a:solidFill>
+                <a:srgbClr val="000000"/>
+              </a:solidFill>
+              <a:effectLst/>
+              <a:latin typeface="맑은 고딕" panose="020B0503020000020004" pitchFamily="50" charset="-127"/>
+              <a:ea typeface="맑은 고딕" panose="020B0503020000020004" pitchFamily="50" charset="-127"/>
+            </a:endParaRPr>
+          </a:p>
+          <a:p>
+            <a:r>
+              <a:rPr lang="en-US" altLang="ko-KR" sz="1800" b="0" i="0" u="none" strike="noStrike" dirty="0">
+                <a:solidFill>
+                  <a:srgbClr val="000000"/>
+                </a:solidFill>
+                <a:effectLst/>
+                <a:latin typeface="맑은 고딕" panose="020B0503020000020004" pitchFamily="50" charset="-127"/>
+                <a:ea typeface="맑은 고딕" panose="020B0503020000020004" pitchFamily="50" charset="-127"/>
+              </a:rPr>
+              <a:t>ROAD_NM_ADDR(</a:t>
+            </a:r>
+            <a:r>
+              <a:rPr lang="ko-KR" altLang="en-US" sz="1800" b="0" i="0" u="none" strike="noStrike" dirty="0">
+                <a:solidFill>
+                  <a:srgbClr val="000000"/>
+                </a:solidFill>
+                <a:effectLst/>
+                <a:latin typeface="맑은 고딕" panose="020B0503020000020004" pitchFamily="50" charset="-127"/>
+                <a:ea typeface="맑은 고딕" panose="020B0503020000020004" pitchFamily="50" charset="-127"/>
+              </a:rPr>
+              <a:t>도로명주소</a:t>
+            </a:r>
+            <a:r>
+              <a:rPr lang="en-US" altLang="ko-KR" sz="1800" b="0" i="0" u="none" strike="noStrike" dirty="0">
+                <a:solidFill>
+                  <a:srgbClr val="000000"/>
+                </a:solidFill>
+                <a:effectLst/>
+                <a:latin typeface="맑은 고딕" panose="020B0503020000020004" pitchFamily="50" charset="-127"/>
+                <a:ea typeface="맑은 고딕" panose="020B0503020000020004" pitchFamily="50" charset="-127"/>
+              </a:rPr>
+              <a:t>)</a:t>
+            </a:r>
+            <a:endParaRPr lang="en-US" altLang="ko-KR" sz="1400" b="0" i="0" u="none" strike="noStrike" dirty="0">
+              <a:solidFill>
+                <a:srgbClr val="000000"/>
+              </a:solidFill>
+              <a:effectLst/>
+              <a:latin typeface="맑은 고딕" panose="020B0503020000020004" pitchFamily="50" charset="-127"/>
+              <a:ea typeface="맑은 고딕" panose="020B0503020000020004" pitchFamily="50" charset="-127"/>
+            </a:endParaRPr>
+          </a:p>
+          <a:p>
+            <a:r>
+              <a:rPr lang="en-US" altLang="ko-KR" sz="1800" b="0" i="0" u="none" strike="noStrike" dirty="0">
+                <a:solidFill>
+                  <a:srgbClr val="000000"/>
+                </a:solidFill>
+                <a:effectLst/>
+                <a:latin typeface="맑은 고딕" panose="020B0503020000020004" pitchFamily="50" charset="-127"/>
+                <a:ea typeface="맑은 고딕" panose="020B0503020000020004" pitchFamily="50" charset="-127"/>
+              </a:rPr>
+              <a:t>LOTNO_ADDR(</a:t>
+            </a:r>
+            <a:r>
+              <a:rPr lang="ko-KR" altLang="en-US" sz="1800" b="0" i="0" u="none" strike="noStrike" dirty="0">
+                <a:solidFill>
+                  <a:srgbClr val="000000"/>
+                </a:solidFill>
+                <a:effectLst/>
+                <a:latin typeface="맑은 고딕" panose="020B0503020000020004" pitchFamily="50" charset="-127"/>
+                <a:ea typeface="맑은 고딕" panose="020B0503020000020004" pitchFamily="50" charset="-127"/>
+              </a:rPr>
+              <a:t>지번주소</a:t>
+            </a:r>
+            <a:r>
+              <a:rPr lang="en-US" altLang="ko-KR" sz="1800" b="0" i="0" u="none" strike="noStrike" dirty="0">
+                <a:solidFill>
+                  <a:srgbClr val="000000"/>
+                </a:solidFill>
+                <a:effectLst/>
+                <a:latin typeface="맑은 고딕" panose="020B0503020000020004" pitchFamily="50" charset="-127"/>
+                <a:ea typeface="맑은 고딕" panose="020B0503020000020004" pitchFamily="50" charset="-127"/>
+              </a:rPr>
+              <a:t>)</a:t>
+            </a:r>
+            <a:endParaRPr lang="en-US" altLang="ko-KR" sz="1400" b="0" i="0" u="none" strike="noStrike" dirty="0">
+              <a:solidFill>
+                <a:srgbClr val="000000"/>
+              </a:solidFill>
+              <a:effectLst/>
+              <a:latin typeface="맑은 고딕" panose="020B0503020000020004" pitchFamily="50" charset="-127"/>
+              <a:ea typeface="맑은 고딕" panose="020B0503020000020004" pitchFamily="50" charset="-127"/>
+            </a:endParaRPr>
+          </a:p>
+          <a:p>
+            <a:r>
+              <a:rPr lang="en-US" altLang="ko-KR" sz="1800" b="0" i="0" u="none" strike="noStrike" dirty="0">
+                <a:solidFill>
+                  <a:srgbClr val="000000"/>
+                </a:solidFill>
+                <a:effectLst/>
+                <a:latin typeface="맑은 고딕" panose="020B0503020000020004" pitchFamily="50" charset="-127"/>
+                <a:ea typeface="맑은 고딕" panose="020B0503020000020004" pitchFamily="50" charset="-127"/>
+              </a:rPr>
+              <a:t>ROAD_NM_CD(</a:t>
+            </a:r>
+            <a:r>
+              <a:rPr lang="ko-KR" altLang="en-US" sz="1800" b="0" i="0" u="none" strike="noStrike" dirty="0" err="1">
+                <a:solidFill>
+                  <a:srgbClr val="000000"/>
+                </a:solidFill>
+                <a:effectLst/>
+                <a:latin typeface="맑은 고딕" panose="020B0503020000020004" pitchFamily="50" charset="-127"/>
+                <a:ea typeface="맑은 고딕" panose="020B0503020000020004" pitchFamily="50" charset="-127"/>
+              </a:rPr>
+              <a:t>도로명코드</a:t>
+            </a:r>
+            <a:r>
+              <a:rPr lang="en-US" altLang="ko-KR" sz="1800" b="0" i="0" u="none" strike="noStrike" dirty="0">
+                <a:solidFill>
+                  <a:srgbClr val="000000"/>
+                </a:solidFill>
+                <a:effectLst/>
+                <a:latin typeface="맑은 고딕" panose="020B0503020000020004" pitchFamily="50" charset="-127"/>
+                <a:ea typeface="맑은 고딕" panose="020B0503020000020004" pitchFamily="50" charset="-127"/>
+              </a:rPr>
+              <a:t>)</a:t>
+            </a:r>
+            <a:endParaRPr lang="en-US" altLang="ko-KR" sz="1400" b="0" i="0" u="none" strike="noStrike" dirty="0">
+              <a:solidFill>
+                <a:srgbClr val="000000"/>
+              </a:solidFill>
+              <a:effectLst/>
+              <a:latin typeface="맑은 고딕" panose="020B0503020000020004" pitchFamily="50" charset="-127"/>
+              <a:ea typeface="맑은 고딕" panose="020B0503020000020004" pitchFamily="50" charset="-127"/>
+            </a:endParaRPr>
+          </a:p>
+          <a:p>
+            <a:r>
+              <a:rPr lang="en-US" altLang="ko-KR" sz="1800" b="0" i="0" u="none" strike="noStrike" dirty="0">
+                <a:solidFill>
+                  <a:srgbClr val="000000"/>
+                </a:solidFill>
+                <a:effectLst/>
+                <a:latin typeface="맑은 고딕" panose="020B0503020000020004" pitchFamily="50" charset="-127"/>
+                <a:ea typeface="맑은 고딕" panose="020B0503020000020004" pitchFamily="50" charset="-127"/>
+              </a:rPr>
+              <a:t>LOTNO_CD(</a:t>
+            </a:r>
+            <a:r>
+              <a:rPr lang="ko-KR" altLang="en-US" sz="1800" b="0" i="0" u="none" strike="noStrike" dirty="0">
+                <a:solidFill>
+                  <a:srgbClr val="000000"/>
+                </a:solidFill>
+                <a:effectLst/>
+                <a:latin typeface="맑은 고딕" panose="020B0503020000020004" pitchFamily="50" charset="-127"/>
+                <a:ea typeface="맑은 고딕" panose="020B0503020000020004" pitchFamily="50" charset="-127"/>
+              </a:rPr>
+              <a:t>지번코드</a:t>
+            </a:r>
+            <a:r>
+              <a:rPr lang="en-US" altLang="ko-KR" sz="1800" b="0" i="0" u="none" strike="noStrike" dirty="0">
+                <a:solidFill>
+                  <a:srgbClr val="000000"/>
+                </a:solidFill>
+                <a:effectLst/>
+                <a:latin typeface="맑은 고딕" panose="020B0503020000020004" pitchFamily="50" charset="-127"/>
+                <a:ea typeface="맑은 고딕" panose="020B0503020000020004" pitchFamily="50" charset="-127"/>
+              </a:rPr>
+              <a:t>)</a:t>
+            </a:r>
+            <a:endParaRPr lang="en-US" altLang="ko-KR" sz="1400" b="0" i="0" u="none" strike="noStrike" dirty="0">
+              <a:solidFill>
+                <a:srgbClr val="000000"/>
+              </a:solidFill>
+              <a:effectLst/>
+              <a:latin typeface="맑은 고딕" panose="020B0503020000020004" pitchFamily="50" charset="-127"/>
+              <a:ea typeface="맑은 고딕" panose="020B0503020000020004" pitchFamily="50" charset="-127"/>
+            </a:endParaRPr>
+          </a:p>
+          <a:p>
+            <a:r>
+              <a:rPr lang="en-US" altLang="ko-KR" sz="1800" b="0" i="0" u="none" strike="noStrike" dirty="0">
+                <a:solidFill>
+                  <a:srgbClr val="000000"/>
+                </a:solidFill>
+                <a:effectLst/>
+                <a:latin typeface="맑은 고딕" panose="020B0503020000020004" pitchFamily="50" charset="-127"/>
+                <a:ea typeface="맑은 고딕" panose="020B0503020000020004" pitchFamily="50" charset="-127"/>
+              </a:rPr>
+              <a:t>PAYMENT_DT(</a:t>
+            </a:r>
+            <a:r>
+              <a:rPr lang="ko-KR" altLang="en-US" sz="1800" b="0" i="0" u="none" strike="noStrike" dirty="0">
+                <a:solidFill>
+                  <a:srgbClr val="000000"/>
+                </a:solidFill>
+                <a:effectLst/>
+                <a:latin typeface="맑은 고딕" panose="020B0503020000020004" pitchFamily="50" charset="-127"/>
+                <a:ea typeface="맑은 고딕" panose="020B0503020000020004" pitchFamily="50" charset="-127"/>
+              </a:rPr>
+              <a:t>소비일자</a:t>
+            </a:r>
+            <a:r>
+              <a:rPr lang="en-US" altLang="ko-KR" sz="1800" b="0" i="0" u="none" strike="noStrike" dirty="0">
+                <a:solidFill>
+                  <a:srgbClr val="000000"/>
+                </a:solidFill>
+                <a:effectLst/>
+                <a:latin typeface="맑은 고딕" panose="020B0503020000020004" pitchFamily="50" charset="-127"/>
+                <a:ea typeface="맑은 고딕" panose="020B0503020000020004" pitchFamily="50" charset="-127"/>
+              </a:rPr>
+              <a:t>)</a:t>
+            </a:r>
+            <a:endParaRPr lang="en-US" altLang="ko-KR" sz="1400" b="0" i="0" u="none" strike="noStrike" dirty="0">
+              <a:solidFill>
+                <a:srgbClr val="000000"/>
+              </a:solidFill>
+              <a:effectLst/>
+              <a:latin typeface="맑은 고딕" panose="020B0503020000020004" pitchFamily="50" charset="-127"/>
+              <a:ea typeface="맑은 고딕" panose="020B0503020000020004" pitchFamily="50" charset="-127"/>
+            </a:endParaRPr>
+          </a:p>
+          <a:p>
+            <a:r>
+              <a:rPr lang="en-US" altLang="ko-KR" sz="1800" b="0" i="0" u="none" strike="noStrike" dirty="0">
+                <a:solidFill>
+                  <a:srgbClr val="000000"/>
+                </a:solidFill>
+                <a:effectLst/>
+                <a:latin typeface="맑은 고딕" panose="020B0503020000020004" pitchFamily="50" charset="-127"/>
+                <a:ea typeface="맑은 고딕" panose="020B0503020000020004" pitchFamily="50" charset="-127"/>
+              </a:rPr>
+              <a:t>PAYMENT_MTHD_SE(</a:t>
+            </a:r>
+            <a:r>
+              <a:rPr lang="ko-KR" altLang="en-US" sz="1800" b="0" i="0" u="none" strike="noStrike" dirty="0">
+                <a:solidFill>
+                  <a:srgbClr val="000000"/>
+                </a:solidFill>
+                <a:effectLst/>
+                <a:latin typeface="맑은 고딕" panose="020B0503020000020004" pitchFamily="50" charset="-127"/>
+                <a:ea typeface="맑은 고딕" panose="020B0503020000020004" pitchFamily="50" charset="-127"/>
+              </a:rPr>
+              <a:t>결제방식구분</a:t>
+            </a:r>
+            <a:r>
+              <a:rPr lang="en-US" altLang="ko-KR" sz="1800" b="0" i="0" u="none" strike="noStrike" dirty="0">
+                <a:solidFill>
+                  <a:srgbClr val="000000"/>
+                </a:solidFill>
+                <a:effectLst/>
+                <a:latin typeface="맑은 고딕" panose="020B0503020000020004" pitchFamily="50" charset="-127"/>
+                <a:ea typeface="맑은 고딕" panose="020B0503020000020004" pitchFamily="50" charset="-127"/>
+              </a:rPr>
+              <a:t>)</a:t>
+            </a:r>
+            <a:endParaRPr lang="en-US" altLang="ko-KR" sz="1400" b="0" i="0" u="none" strike="noStrike" dirty="0">
+              <a:solidFill>
+                <a:srgbClr val="000000"/>
+              </a:solidFill>
+              <a:effectLst/>
+              <a:latin typeface="맑은 고딕" panose="020B0503020000020004" pitchFamily="50" charset="-127"/>
+              <a:ea typeface="맑은 고딕" panose="020B0503020000020004" pitchFamily="50" charset="-127"/>
+            </a:endParaRPr>
+          </a:p>
+          <a:p>
+            <a:r>
+              <a:rPr lang="en-US" altLang="ko-KR" sz="1800" b="0" i="0" u="none" strike="noStrike" dirty="0">
+                <a:solidFill>
+                  <a:srgbClr val="000000"/>
+                </a:solidFill>
+                <a:effectLst/>
+                <a:latin typeface="맑은 고딕" panose="020B0503020000020004" pitchFamily="50" charset="-127"/>
+                <a:ea typeface="맑은 고딕" panose="020B0503020000020004" pitchFamily="50" charset="-127"/>
+              </a:rPr>
+              <a:t>PAYMENT_AMT_WON(</a:t>
+            </a:r>
+            <a:r>
+              <a:rPr lang="ko-KR" altLang="en-US" sz="1800" b="0" i="0" u="none" strike="noStrike" dirty="0">
+                <a:solidFill>
+                  <a:srgbClr val="000000"/>
+                </a:solidFill>
+                <a:effectLst/>
+                <a:latin typeface="맑은 고딕" panose="020B0503020000020004" pitchFamily="50" charset="-127"/>
+                <a:ea typeface="맑은 고딕" panose="020B0503020000020004" pitchFamily="50" charset="-127"/>
+              </a:rPr>
+              <a:t>결제금액원</a:t>
+            </a:r>
+            <a:r>
+              <a:rPr lang="en-US" altLang="ko-KR" sz="1800" b="0" i="0" u="none" strike="noStrike" dirty="0">
+                <a:solidFill>
+                  <a:srgbClr val="000000"/>
+                </a:solidFill>
+                <a:effectLst/>
+                <a:latin typeface="맑은 고딕" panose="020B0503020000020004" pitchFamily="50" charset="-127"/>
+                <a:ea typeface="맑은 고딕" panose="020B0503020000020004" pitchFamily="50" charset="-127"/>
+              </a:rPr>
+              <a:t>)</a:t>
+            </a:r>
+            <a:endParaRPr lang="en-US" altLang="ko-KR" sz="1400" b="0" i="0" u="none" strike="noStrike" dirty="0">
+              <a:solidFill>
+                <a:srgbClr val="000000"/>
+              </a:solidFill>
+              <a:effectLst/>
+              <a:latin typeface="맑은 고딕" panose="020B0503020000020004" pitchFamily="50" charset="-127"/>
+              <a:ea typeface="맑은 고딕" panose="020B0503020000020004" pitchFamily="50" charset="-127"/>
+            </a:endParaRPr>
+          </a:p>
+          <a:p>
+            <a:r>
+              <a:rPr lang="en-US" altLang="ko-KR" sz="1800" b="0" i="0" u="none" strike="noStrike" dirty="0">
+                <a:solidFill>
+                  <a:srgbClr val="000000"/>
+                </a:solidFill>
+                <a:effectLst/>
+                <a:latin typeface="맑은 고딕" panose="020B0503020000020004" pitchFamily="50" charset="-127"/>
+                <a:ea typeface="맑은 고딕" panose="020B0503020000020004" pitchFamily="50" charset="-127"/>
+              </a:rPr>
+              <a:t>TEMPERATURE(</a:t>
+            </a:r>
+            <a:r>
+              <a:rPr lang="ko-KR" altLang="en-US" sz="1800" b="0" i="0" u="none" strike="noStrike" dirty="0">
+                <a:solidFill>
+                  <a:srgbClr val="000000"/>
+                </a:solidFill>
+                <a:effectLst/>
+                <a:latin typeface="맑은 고딕" panose="020B0503020000020004" pitchFamily="50" charset="-127"/>
+                <a:ea typeface="맑은 고딕" panose="020B0503020000020004" pitchFamily="50" charset="-127"/>
+              </a:rPr>
+              <a:t>기온</a:t>
+            </a:r>
+            <a:r>
+              <a:rPr lang="en-US" altLang="ko-KR" sz="1800" b="0" i="0" u="none" strike="noStrike" dirty="0">
+                <a:solidFill>
+                  <a:srgbClr val="000000"/>
+                </a:solidFill>
+                <a:effectLst/>
+                <a:latin typeface="맑은 고딕" panose="020B0503020000020004" pitchFamily="50" charset="-127"/>
+                <a:ea typeface="맑은 고딕" panose="020B0503020000020004" pitchFamily="50" charset="-127"/>
+              </a:rPr>
+              <a:t>)</a:t>
+            </a:r>
+            <a:endParaRPr lang="en-US" altLang="ko-KR" sz="1400" b="0" i="0" u="none" strike="noStrike" dirty="0">
+              <a:solidFill>
+                <a:srgbClr val="000000"/>
+              </a:solidFill>
+              <a:effectLst/>
+              <a:latin typeface="맑은 고딕" panose="020B0503020000020004" pitchFamily="50" charset="-127"/>
+              <a:ea typeface="맑은 고딕" panose="020B0503020000020004" pitchFamily="50" charset="-127"/>
+            </a:endParaRPr>
+          </a:p>
+          <a:p>
+            <a:r>
+              <a:rPr lang="en-US" altLang="ko-KR" sz="1800" b="0" i="0" u="none" strike="noStrike" dirty="0">
+                <a:solidFill>
+                  <a:srgbClr val="000000"/>
+                </a:solidFill>
+                <a:effectLst/>
+                <a:latin typeface="맑은 고딕" panose="020B0503020000020004" pitchFamily="50" charset="-127"/>
+                <a:ea typeface="맑은 고딕" panose="020B0503020000020004" pitchFamily="50" charset="-127"/>
+              </a:rPr>
+              <a:t>PRECIPITATION(</a:t>
+            </a:r>
+            <a:r>
+              <a:rPr lang="ko-KR" altLang="en-US" sz="1800" b="0" i="0" u="none" strike="noStrike" dirty="0">
+                <a:solidFill>
+                  <a:srgbClr val="000000"/>
+                </a:solidFill>
+                <a:effectLst/>
+                <a:latin typeface="맑은 고딕" panose="020B0503020000020004" pitchFamily="50" charset="-127"/>
+                <a:ea typeface="맑은 고딕" panose="020B0503020000020004" pitchFamily="50" charset="-127"/>
+              </a:rPr>
+              <a:t>강수량</a:t>
+            </a:r>
+            <a:r>
+              <a:rPr lang="en-US" altLang="ko-KR" sz="1800" b="0" i="0" u="none" strike="noStrike" dirty="0">
+                <a:solidFill>
+                  <a:srgbClr val="000000"/>
+                </a:solidFill>
+                <a:effectLst/>
+                <a:latin typeface="맑은 고딕" panose="020B0503020000020004" pitchFamily="50" charset="-127"/>
+                <a:ea typeface="맑은 고딕" panose="020B0503020000020004" pitchFamily="50" charset="-127"/>
+              </a:rPr>
+              <a:t>)</a:t>
+            </a:r>
+            <a:endParaRPr lang="en-US" altLang="ko-KR" sz="1400" b="0" i="0" u="none" strike="noStrike" dirty="0">
+              <a:solidFill>
+                <a:srgbClr val="000000"/>
+              </a:solidFill>
+              <a:effectLst/>
+              <a:latin typeface="맑은 고딕" panose="020B0503020000020004" pitchFamily="50" charset="-127"/>
+              <a:ea typeface="맑은 고딕" panose="020B0503020000020004" pitchFamily="50" charset="-127"/>
+            </a:endParaRPr>
+          </a:p>
+          <a:p>
+            <a:r>
+              <a:rPr lang="en-US" altLang="ko-KR" sz="1800" b="0" i="0" u="none" strike="noStrike" dirty="0">
+                <a:solidFill>
+                  <a:srgbClr val="000000"/>
+                </a:solidFill>
+                <a:effectLst/>
+                <a:latin typeface="맑은 고딕" panose="020B0503020000020004" pitchFamily="50" charset="-127"/>
+                <a:ea typeface="맑은 고딕" panose="020B0503020000020004" pitchFamily="50" charset="-127"/>
+              </a:rPr>
+              <a:t>SUNSHINE_HOURS(</a:t>
+            </a:r>
+            <a:r>
+              <a:rPr lang="ko-KR" altLang="en-US" sz="1800" b="0" i="0" u="none" strike="noStrike" dirty="0">
+                <a:solidFill>
+                  <a:srgbClr val="000000"/>
+                </a:solidFill>
+                <a:effectLst/>
+                <a:latin typeface="맑은 고딕" panose="020B0503020000020004" pitchFamily="50" charset="-127"/>
+                <a:ea typeface="맑은 고딕" panose="020B0503020000020004" pitchFamily="50" charset="-127"/>
+              </a:rPr>
+              <a:t>일조량</a:t>
+            </a:r>
+            <a:r>
+              <a:rPr lang="en-US" altLang="ko-KR" sz="1800" b="0" i="0" u="none" strike="noStrike" dirty="0">
+                <a:solidFill>
+                  <a:srgbClr val="000000"/>
+                </a:solidFill>
+                <a:effectLst/>
+                <a:latin typeface="맑은 고딕" panose="020B0503020000020004" pitchFamily="50" charset="-127"/>
+                <a:ea typeface="맑은 고딕" panose="020B0503020000020004" pitchFamily="50" charset="-127"/>
+              </a:rPr>
+              <a:t>)</a:t>
+            </a:r>
+            <a:endParaRPr lang="en-US" altLang="ko-KR" sz="1400" b="0" i="0" u="none" strike="noStrike" dirty="0">
+              <a:solidFill>
+                <a:srgbClr val="000000"/>
+              </a:solidFill>
+              <a:effectLst/>
+              <a:latin typeface="맑은 고딕" panose="020B0503020000020004" pitchFamily="50" charset="-127"/>
+              <a:ea typeface="맑은 고딕" panose="020B0503020000020004" pitchFamily="50" charset="-127"/>
+            </a:endParaRPr>
+          </a:p>
+        </p:txBody>
+      </p:sp>
+    </p:spTree>
+    <p:extLst>
+      <p:ext uri="{BB962C8B-B14F-4D97-AF65-F5344CB8AC3E}">
+        <p14:creationId xmlns:p14="http://schemas.microsoft.com/office/powerpoint/2010/main" val="3945952484"/>
+      </p:ext>
+    </p:extLst>
+  </p:cSld>
+  <p:clrMapOvr>
+    <a:masterClrMapping/>
+  </p:clrMapOvr>
+</p:sld>
+</file>
+
+<file path=ppt/slides/slide13.xml><?xml version="1.0" encoding="utf-8"?>
+<p:sld xmlns:a="http://schemas.openxmlformats.org/drawingml/2006/main" xmlns:r="http://schemas.openxmlformats.org/officeDocument/2006/relationships" xmlns:p="http://schemas.openxmlformats.org/presentationml/2006/main">
+  <p:cSld>
+    <p:spTree>
+      <p:nvGrpSpPr>
+        <p:cNvPr id="1" name="">
+          <a:extLst>
+            <a:ext uri="{FF2B5EF4-FFF2-40B4-BE49-F238E27FC236}">
+              <a16:creationId xmlns:a16="http://schemas.microsoft.com/office/drawing/2014/main" id="{E5ACD5A8-B95A-888B-034B-E21945387CB7}"/>
+            </a:ext>
+          </a:extLst>
+        </p:cNvPr>
+        <p:cNvGrpSpPr/>
+        <p:nvPr/>
+      </p:nvGrpSpPr>
+      <p:grpSpPr>
+        <a:xfrm>
+          <a:off x="0" y="0"/>
+          <a:ext cx="0" cy="0"/>
+          <a:chOff x="0" y="0"/>
+          <a:chExt cx="0" cy="0"/>
+        </a:xfrm>
+      </p:grpSpPr>
+      <p:sp>
+        <p:nvSpPr>
+          <p:cNvPr id="2" name="TextBox 1">
+            <a:extLst>
+              <a:ext uri="{FF2B5EF4-FFF2-40B4-BE49-F238E27FC236}">
+                <a16:creationId xmlns:a16="http://schemas.microsoft.com/office/drawing/2014/main" id="{74F6E62B-8F5F-BCD7-105D-9551A42B6C12}"/>
+              </a:ext>
+            </a:extLst>
+          </p:cNvPr>
+          <p:cNvSpPr txBox="1"/>
+          <p:nvPr/>
+        </p:nvSpPr>
+        <p:spPr>
+          <a:xfrm>
+            <a:off x="202518" y="231648"/>
+            <a:ext cx="2252247" cy="584775"/>
+          </a:xfrm>
+          <a:prstGeom prst="rect">
+            <a:avLst/>
+          </a:prstGeom>
+          <a:noFill/>
+        </p:spPr>
+        <p:txBody>
+          <a:bodyPr wrap="square" rtlCol="0">
+            <a:spAutoFit/>
+          </a:bodyPr>
+          <a:lstStyle/>
+          <a:p>
+            <a:r>
+              <a:rPr lang="en-US" altLang="ko-KR" sz="3200" b="1" dirty="0"/>
+              <a:t>12</a:t>
+            </a:r>
+            <a:r>
+              <a:rPr lang="ko-KR" altLang="en-US" sz="3200" b="1" dirty="0"/>
+              <a:t>월 </a:t>
+            </a:r>
+            <a:r>
+              <a:rPr lang="en-US" altLang="ko-KR" sz="3200" b="1" dirty="0"/>
+              <a:t>3</a:t>
+            </a:r>
+            <a:r>
+              <a:rPr lang="ko-KR" altLang="en-US" sz="3200" b="1" dirty="0"/>
+              <a:t>일</a:t>
+            </a:r>
+          </a:p>
+        </p:txBody>
+      </p:sp>
+      <p:sp>
+        <p:nvSpPr>
+          <p:cNvPr id="9" name="TextBox 8">
+            <a:extLst>
+              <a:ext uri="{FF2B5EF4-FFF2-40B4-BE49-F238E27FC236}">
+                <a16:creationId xmlns:a16="http://schemas.microsoft.com/office/drawing/2014/main" id="{D601D928-25A5-5801-52B9-1453E12180D0}"/>
+              </a:ext>
+            </a:extLst>
+          </p:cNvPr>
+          <p:cNvSpPr txBox="1"/>
+          <p:nvPr/>
+        </p:nvSpPr>
+        <p:spPr>
+          <a:xfrm>
+            <a:off x="2454765" y="246595"/>
+            <a:ext cx="9062519" cy="923330"/>
+          </a:xfrm>
+          <a:prstGeom prst="rect">
+            <a:avLst/>
+          </a:prstGeom>
+          <a:noFill/>
+        </p:spPr>
+        <p:txBody>
+          <a:bodyPr wrap="square" rtlCol="0">
+            <a:spAutoFit/>
+          </a:bodyPr>
+          <a:lstStyle/>
+          <a:p>
+            <a:pPr marL="0" marR="0" lvl="0" indent="0" algn="l" defTabSz="914400" rtl="0" eaLnBrk="0" fontAlgn="base" latinLnBrk="0" hangingPunct="0">
+              <a:lnSpc>
+                <a:spcPct val="100000"/>
+              </a:lnSpc>
+              <a:spcBef>
+                <a:spcPct val="0"/>
+              </a:spcBef>
+              <a:spcAft>
+                <a:spcPct val="0"/>
+              </a:spcAft>
+              <a:buClrTx/>
+              <a:buSzTx/>
+              <a:buFontTx/>
+              <a:buChar char="•"/>
+              <a:tabLst/>
+            </a:pPr>
+            <a:r>
+              <a:rPr kumimoji="0" lang="ko-KR" altLang="ko-KR" sz="1000" b="1" i="0" u="none" strike="noStrike" cap="none" normalizeH="0" baseline="0" dirty="0">
+                <a:ln>
+                  <a:noFill/>
+                </a:ln>
+                <a:solidFill>
+                  <a:schemeClr val="tx1"/>
+                </a:solidFill>
+                <a:effectLst/>
+                <a:latin typeface="Arial Unicode MS" panose="020B0604020202020204" pitchFamily="50" charset="-127"/>
+              </a:rPr>
+              <a:t>DGSTFN</a:t>
+            </a:r>
+            <a:r>
+              <a:rPr kumimoji="0" lang="ko-KR" altLang="ko-KR" sz="600" b="1" i="0" u="none" strike="noStrike" cap="none" normalizeH="0" baseline="0" dirty="0">
+                <a:ln>
+                  <a:noFill/>
+                </a:ln>
+                <a:solidFill>
+                  <a:schemeClr val="tx1"/>
+                </a:solidFill>
+                <a:effectLst/>
+              </a:rPr>
+              <a:t> (만족도)</a:t>
+            </a:r>
+            <a:r>
+              <a:rPr kumimoji="0" lang="ko-KR" altLang="ko-KR" sz="1800" b="0" i="0" u="none" strike="noStrike" cap="none" normalizeH="0" baseline="0" dirty="0">
+                <a:ln>
+                  <a:noFill/>
+                </a:ln>
+                <a:solidFill>
+                  <a:schemeClr val="tx1"/>
+                </a:solidFill>
+                <a:effectLst/>
+                <a:latin typeface="Arial" panose="020B0604020202020204" pitchFamily="34" charset="0"/>
+              </a:rPr>
+              <a:t>: 여행자 만족도에 영향을 미치는 요인을 분석.</a:t>
+            </a:r>
+          </a:p>
+          <a:p>
+            <a:pPr marL="0" marR="0" lvl="0" indent="0" algn="l" defTabSz="914400" rtl="0" eaLnBrk="0" fontAlgn="base" latinLnBrk="0" hangingPunct="0">
+              <a:lnSpc>
+                <a:spcPct val="100000"/>
+              </a:lnSpc>
+              <a:spcBef>
+                <a:spcPct val="0"/>
+              </a:spcBef>
+              <a:spcAft>
+                <a:spcPct val="0"/>
+              </a:spcAft>
+              <a:buClrTx/>
+              <a:buSzTx/>
+              <a:buFontTx/>
+              <a:buChar char="•"/>
+              <a:tabLst/>
+            </a:pPr>
+            <a:r>
+              <a:rPr kumimoji="0" lang="ko-KR" altLang="ko-KR" sz="1000" b="1" i="0" u="none" strike="noStrike" cap="none" normalizeH="0" baseline="0" dirty="0">
+                <a:ln>
+                  <a:noFill/>
+                </a:ln>
+                <a:solidFill>
+                  <a:schemeClr val="tx1"/>
+                </a:solidFill>
+                <a:effectLst/>
+                <a:latin typeface="Arial Unicode MS" panose="020B0604020202020204" pitchFamily="50" charset="-127"/>
+              </a:rPr>
+              <a:t>RCMDTN_INTENTION</a:t>
+            </a:r>
+            <a:r>
+              <a:rPr kumimoji="0" lang="ko-KR" altLang="ko-KR" sz="600" b="1" i="0" u="none" strike="noStrike" cap="none" normalizeH="0" baseline="0" dirty="0">
+                <a:ln>
+                  <a:noFill/>
+                </a:ln>
+                <a:solidFill>
+                  <a:schemeClr val="tx1"/>
+                </a:solidFill>
+                <a:effectLst/>
+              </a:rPr>
+              <a:t> (추천 의향)</a:t>
+            </a:r>
+            <a:r>
+              <a:rPr kumimoji="0" lang="ko-KR" altLang="ko-KR" sz="1800" b="0" i="0" u="none" strike="noStrike" cap="none" normalizeH="0" baseline="0" dirty="0">
+                <a:ln>
+                  <a:noFill/>
+                </a:ln>
+                <a:solidFill>
+                  <a:schemeClr val="tx1"/>
+                </a:solidFill>
+                <a:effectLst/>
+                <a:latin typeface="Arial" panose="020B0604020202020204" pitchFamily="34" charset="0"/>
+              </a:rPr>
+              <a:t>: 여행자가 추천 의사를 가지는 데 영향을 미치는 요인을 분석.</a:t>
+            </a:r>
+          </a:p>
+          <a:p>
+            <a:pPr marL="0" marR="0" lvl="0" indent="0" algn="l" defTabSz="914400" rtl="0" eaLnBrk="0" fontAlgn="base" latinLnBrk="0" hangingPunct="0">
+              <a:lnSpc>
+                <a:spcPct val="100000"/>
+              </a:lnSpc>
+              <a:spcBef>
+                <a:spcPct val="0"/>
+              </a:spcBef>
+              <a:spcAft>
+                <a:spcPct val="0"/>
+              </a:spcAft>
+              <a:buClrTx/>
+              <a:buSzTx/>
+              <a:buFontTx/>
+              <a:buChar char="•"/>
+              <a:tabLst/>
+            </a:pPr>
+            <a:r>
+              <a:rPr kumimoji="0" lang="ko-KR" altLang="ko-KR" sz="1000" b="1" i="0" u="none" strike="noStrike" cap="none" normalizeH="0" baseline="0" dirty="0">
+                <a:ln>
+                  <a:noFill/>
+                </a:ln>
+                <a:solidFill>
+                  <a:schemeClr val="tx1"/>
+                </a:solidFill>
+                <a:effectLst/>
+                <a:latin typeface="Arial Unicode MS" panose="020B0604020202020204" pitchFamily="50" charset="-127"/>
+              </a:rPr>
+              <a:t>REVISIT_INTENTION</a:t>
+            </a:r>
+            <a:r>
+              <a:rPr kumimoji="0" lang="ko-KR" altLang="ko-KR" sz="600" b="1" i="0" u="none" strike="noStrike" cap="none" normalizeH="0" baseline="0" dirty="0">
+                <a:ln>
+                  <a:noFill/>
+                </a:ln>
+                <a:solidFill>
+                  <a:schemeClr val="tx1"/>
+                </a:solidFill>
+                <a:effectLst/>
+              </a:rPr>
+              <a:t> (재방문 의사)</a:t>
+            </a:r>
+            <a:r>
+              <a:rPr kumimoji="0" lang="ko-KR" altLang="ko-KR" sz="1800" b="0" i="0" u="none" strike="noStrike" cap="none" normalizeH="0" baseline="0" dirty="0">
+                <a:ln>
+                  <a:noFill/>
+                </a:ln>
+                <a:solidFill>
+                  <a:schemeClr val="tx1"/>
+                </a:solidFill>
+                <a:effectLst/>
+                <a:latin typeface="Arial" panose="020B0604020202020204" pitchFamily="34" charset="0"/>
+              </a:rPr>
+              <a:t>: 재방문 의사를 가지는 요인을 분석. </a:t>
+            </a:r>
+          </a:p>
+        </p:txBody>
+      </p:sp>
+      <p:sp>
+        <p:nvSpPr>
+          <p:cNvPr id="10" name="TextBox 9">
+            <a:extLst>
+              <a:ext uri="{FF2B5EF4-FFF2-40B4-BE49-F238E27FC236}">
+                <a16:creationId xmlns:a16="http://schemas.microsoft.com/office/drawing/2014/main" id="{D25B3FE2-947D-4B22-316A-07F805EF2F4A}"/>
+              </a:ext>
+            </a:extLst>
+          </p:cNvPr>
+          <p:cNvSpPr txBox="1"/>
+          <p:nvPr/>
+        </p:nvSpPr>
+        <p:spPr>
+          <a:xfrm>
+            <a:off x="2454764" y="1469547"/>
+            <a:ext cx="9062519" cy="2739211"/>
+          </a:xfrm>
+          <a:prstGeom prst="rect">
+            <a:avLst/>
+          </a:prstGeom>
+          <a:noFill/>
+        </p:spPr>
+        <p:txBody>
+          <a:bodyPr wrap="square" rtlCol="0">
+            <a:spAutoFit/>
+          </a:bodyPr>
+          <a:lstStyle/>
+          <a:p>
+            <a:pPr marL="0" marR="0" lvl="0" indent="0" algn="l" defTabSz="914400" rtl="0" eaLnBrk="0" fontAlgn="base" latinLnBrk="0" hangingPunct="0">
+              <a:lnSpc>
+                <a:spcPct val="100000"/>
+              </a:lnSpc>
+              <a:spcBef>
+                <a:spcPct val="0"/>
+              </a:spcBef>
+              <a:spcAft>
+                <a:spcPct val="0"/>
+              </a:spcAft>
+              <a:buClrTx/>
+              <a:buSzTx/>
+              <a:buFontTx/>
+              <a:buChar char="•"/>
+              <a:tabLst/>
+            </a:pPr>
+            <a:r>
+              <a:rPr kumimoji="0" lang="ko-KR" altLang="ko-KR" sz="1800" b="1" i="0" u="none" strike="noStrike" cap="none" normalizeH="0" baseline="0" dirty="0">
+                <a:ln>
+                  <a:noFill/>
+                </a:ln>
+                <a:solidFill>
+                  <a:schemeClr val="tx1"/>
+                </a:solidFill>
+                <a:effectLst/>
+                <a:latin typeface="Arial" panose="020B0604020202020204" pitchFamily="34" charset="0"/>
+              </a:rPr>
+              <a:t>사용자 특성</a:t>
+            </a:r>
+            <a:r>
+              <a:rPr kumimoji="0" lang="ko-KR" altLang="ko-KR" sz="1800" b="0" i="0" u="none" strike="noStrike" cap="none" normalizeH="0" baseline="0" dirty="0">
+                <a:ln>
+                  <a:noFill/>
+                </a:ln>
+                <a:solidFill>
+                  <a:schemeClr val="tx1"/>
+                </a:solidFill>
+                <a:effectLst/>
+                <a:latin typeface="Arial" panose="020B0604020202020204" pitchFamily="34" charset="0"/>
+              </a:rPr>
+              <a:t>:</a:t>
+            </a:r>
+          </a:p>
+          <a:p>
+            <a:pPr marL="0" marR="0" lvl="0" indent="0" algn="l" defTabSz="914400" rtl="0" eaLnBrk="0" fontAlgn="base" latinLnBrk="0" hangingPunct="0">
+              <a:lnSpc>
+                <a:spcPct val="100000"/>
+              </a:lnSpc>
+              <a:spcBef>
+                <a:spcPct val="0"/>
+              </a:spcBef>
+              <a:spcAft>
+                <a:spcPct val="0"/>
+              </a:spcAft>
+              <a:buClrTx/>
+              <a:buSzTx/>
+              <a:buFontTx/>
+              <a:buChar char="•"/>
+              <a:tabLst/>
+            </a:pPr>
+            <a:r>
+              <a:rPr kumimoji="0" lang="ko-KR" altLang="ko-KR" sz="1000" b="0" i="0" u="none" strike="noStrike" cap="none" normalizeH="0" baseline="0" dirty="0">
+                <a:ln>
+                  <a:noFill/>
+                </a:ln>
+                <a:solidFill>
+                  <a:schemeClr val="tx1"/>
+                </a:solidFill>
+                <a:effectLst/>
+                <a:latin typeface="Arial Unicode MS" panose="020B0604020202020204" pitchFamily="50" charset="-127"/>
+              </a:rPr>
+              <a:t>GENDER</a:t>
+            </a:r>
+            <a:r>
+              <a:rPr kumimoji="0" lang="ko-KR" altLang="ko-KR" sz="600" b="0" i="0" u="none" strike="noStrike" cap="none" normalizeH="0" baseline="0" dirty="0">
+                <a:ln>
+                  <a:noFill/>
+                </a:ln>
+                <a:solidFill>
+                  <a:schemeClr val="tx1"/>
+                </a:solidFill>
+                <a:effectLst/>
+              </a:rPr>
+              <a:t> (성별)</a:t>
+            </a:r>
+            <a:endParaRPr kumimoji="0" lang="ko-KR" altLang="ko-KR" sz="1800" b="0" i="0" u="none" strike="noStrike" cap="none" normalizeH="0" baseline="0" dirty="0">
+              <a:ln>
+                <a:noFill/>
+              </a:ln>
+              <a:solidFill>
+                <a:schemeClr val="tx1"/>
+              </a:solidFill>
+              <a:effectLst/>
+              <a:latin typeface="Arial" panose="020B0604020202020204" pitchFamily="34" charset="0"/>
+            </a:endParaRPr>
+          </a:p>
+          <a:p>
+            <a:pPr marL="0" marR="0" lvl="0" indent="0" algn="l" defTabSz="914400" rtl="0" eaLnBrk="0" fontAlgn="base" latinLnBrk="0" hangingPunct="0">
+              <a:lnSpc>
+                <a:spcPct val="100000"/>
+              </a:lnSpc>
+              <a:spcBef>
+                <a:spcPct val="0"/>
+              </a:spcBef>
+              <a:spcAft>
+                <a:spcPct val="0"/>
+              </a:spcAft>
+              <a:buClrTx/>
+              <a:buSzTx/>
+              <a:buFontTx/>
+              <a:buChar char="•"/>
+              <a:tabLst/>
+            </a:pPr>
+            <a:r>
+              <a:rPr kumimoji="0" lang="ko-KR" altLang="ko-KR" sz="1000" b="0" i="0" u="none" strike="noStrike" cap="none" normalizeH="0" baseline="0" dirty="0">
+                <a:ln>
+                  <a:noFill/>
+                </a:ln>
+                <a:solidFill>
+                  <a:schemeClr val="tx1"/>
+                </a:solidFill>
+                <a:effectLst/>
+                <a:latin typeface="Arial Unicode MS" panose="020B0604020202020204" pitchFamily="50" charset="-127"/>
+              </a:rPr>
+              <a:t>AGE_GRP</a:t>
+            </a:r>
+            <a:r>
+              <a:rPr kumimoji="0" lang="ko-KR" altLang="ko-KR" sz="600" b="0" i="0" u="none" strike="noStrike" cap="none" normalizeH="0" baseline="0" dirty="0">
+                <a:ln>
+                  <a:noFill/>
+                </a:ln>
+                <a:solidFill>
+                  <a:schemeClr val="tx1"/>
+                </a:solidFill>
+                <a:effectLst/>
+              </a:rPr>
+              <a:t> (연령대)</a:t>
+            </a:r>
+            <a:endParaRPr kumimoji="0" lang="ko-KR" altLang="ko-KR" sz="1800" b="0" i="0" u="none" strike="noStrike" cap="none" normalizeH="0" baseline="0" dirty="0">
+              <a:ln>
+                <a:noFill/>
+              </a:ln>
+              <a:solidFill>
+                <a:schemeClr val="tx1"/>
+              </a:solidFill>
+              <a:effectLst/>
+              <a:latin typeface="Arial" panose="020B0604020202020204" pitchFamily="34" charset="0"/>
+            </a:endParaRPr>
+          </a:p>
+          <a:p>
+            <a:pPr marL="0" marR="0" lvl="0" indent="0" algn="l" defTabSz="914400" rtl="0" eaLnBrk="0" fontAlgn="base" latinLnBrk="0" hangingPunct="0">
+              <a:lnSpc>
+                <a:spcPct val="100000"/>
+              </a:lnSpc>
+              <a:spcBef>
+                <a:spcPct val="0"/>
+              </a:spcBef>
+              <a:spcAft>
+                <a:spcPct val="0"/>
+              </a:spcAft>
+              <a:buClrTx/>
+              <a:buSzTx/>
+              <a:buFontTx/>
+              <a:buChar char="•"/>
+              <a:tabLst/>
+            </a:pPr>
+            <a:r>
+              <a:rPr kumimoji="0" lang="ko-KR" altLang="ko-KR" sz="1800" b="1" i="0" u="none" strike="noStrike" cap="none" normalizeH="0" baseline="0" dirty="0">
+                <a:ln>
+                  <a:noFill/>
+                </a:ln>
+                <a:solidFill>
+                  <a:schemeClr val="tx1"/>
+                </a:solidFill>
+                <a:effectLst/>
+                <a:latin typeface="Arial" panose="020B0604020202020204" pitchFamily="34" charset="0"/>
+              </a:rPr>
+              <a:t>여행지 정보</a:t>
+            </a:r>
+            <a:r>
+              <a:rPr kumimoji="0" lang="ko-KR" altLang="ko-KR" sz="1800" b="0" i="0" u="none" strike="noStrike" cap="none" normalizeH="0" baseline="0" dirty="0">
+                <a:ln>
+                  <a:noFill/>
+                </a:ln>
+                <a:solidFill>
+                  <a:schemeClr val="tx1"/>
+                </a:solidFill>
+                <a:effectLst/>
+                <a:latin typeface="Arial" panose="020B0604020202020204" pitchFamily="34" charset="0"/>
+              </a:rPr>
+              <a:t>:</a:t>
+            </a:r>
+          </a:p>
+          <a:p>
+            <a:pPr marL="0" marR="0" lvl="0" indent="0" algn="l" defTabSz="914400" rtl="0" eaLnBrk="0" fontAlgn="base" latinLnBrk="0" hangingPunct="0">
+              <a:lnSpc>
+                <a:spcPct val="100000"/>
+              </a:lnSpc>
+              <a:spcBef>
+                <a:spcPct val="0"/>
+              </a:spcBef>
+              <a:spcAft>
+                <a:spcPct val="0"/>
+              </a:spcAft>
+              <a:buClrTx/>
+              <a:buSzTx/>
+              <a:buFontTx/>
+              <a:buChar char="•"/>
+              <a:tabLst/>
+            </a:pPr>
+            <a:r>
+              <a:rPr kumimoji="0" lang="ko-KR" altLang="ko-KR" sz="1000" b="0" i="0" u="none" strike="noStrike" cap="none" normalizeH="0" baseline="0" dirty="0">
+                <a:ln>
+                  <a:noFill/>
+                </a:ln>
+                <a:solidFill>
+                  <a:schemeClr val="tx1"/>
+                </a:solidFill>
+                <a:effectLst/>
+                <a:latin typeface="Arial Unicode MS" panose="020B0604020202020204" pitchFamily="50" charset="-127"/>
+              </a:rPr>
+              <a:t>VISIT_AREA_TYPE_CD</a:t>
+            </a:r>
+            <a:r>
+              <a:rPr kumimoji="0" lang="ko-KR" altLang="ko-KR" sz="600" b="0" i="0" u="none" strike="noStrike" cap="none" normalizeH="0" baseline="0" dirty="0">
+                <a:ln>
+                  <a:noFill/>
+                </a:ln>
+                <a:solidFill>
+                  <a:schemeClr val="tx1"/>
+                </a:solidFill>
+                <a:effectLst/>
+              </a:rPr>
+              <a:t> (방문 지역 유형)</a:t>
+            </a:r>
+            <a:endParaRPr kumimoji="0" lang="ko-KR" altLang="ko-KR" sz="1800" b="0" i="0" u="none" strike="noStrike" cap="none" normalizeH="0" baseline="0" dirty="0">
+              <a:ln>
+                <a:noFill/>
+              </a:ln>
+              <a:solidFill>
+                <a:schemeClr val="tx1"/>
+              </a:solidFill>
+              <a:effectLst/>
+              <a:latin typeface="Arial" panose="020B0604020202020204" pitchFamily="34" charset="0"/>
+            </a:endParaRPr>
+          </a:p>
+          <a:p>
+            <a:pPr marL="0" marR="0" lvl="0" indent="0" algn="l" defTabSz="914400" rtl="0" eaLnBrk="0" fontAlgn="base" latinLnBrk="0" hangingPunct="0">
+              <a:lnSpc>
+                <a:spcPct val="100000"/>
+              </a:lnSpc>
+              <a:spcBef>
+                <a:spcPct val="0"/>
+              </a:spcBef>
+              <a:spcAft>
+                <a:spcPct val="0"/>
+              </a:spcAft>
+              <a:buClrTx/>
+              <a:buSzTx/>
+              <a:buFontTx/>
+              <a:buChar char="•"/>
+              <a:tabLst/>
+            </a:pPr>
+            <a:r>
+              <a:rPr kumimoji="0" lang="ko-KR" altLang="ko-KR" sz="1000" b="0" i="0" u="none" strike="noStrike" cap="none" normalizeH="0" baseline="0" dirty="0">
+                <a:ln>
+                  <a:noFill/>
+                </a:ln>
+                <a:solidFill>
+                  <a:schemeClr val="tx1"/>
+                </a:solidFill>
+                <a:effectLst/>
+                <a:latin typeface="Arial Unicode MS" panose="020B0604020202020204" pitchFamily="50" charset="-127"/>
+              </a:rPr>
+              <a:t>ROAD_NM_ADDR</a:t>
+            </a:r>
+            <a:r>
+              <a:rPr kumimoji="0" lang="ko-KR" altLang="ko-KR" sz="600" b="0" i="0" u="none" strike="noStrike" cap="none" normalizeH="0" baseline="0" dirty="0">
+                <a:ln>
+                  <a:noFill/>
+                </a:ln>
+                <a:solidFill>
+                  <a:schemeClr val="tx1"/>
+                </a:solidFill>
+                <a:effectLst/>
+              </a:rPr>
+              <a:t> (도로명 주소)</a:t>
+            </a:r>
+            <a:endParaRPr kumimoji="0" lang="ko-KR" altLang="ko-KR" sz="1800" b="0" i="0" u="none" strike="noStrike" cap="none" normalizeH="0" baseline="0" dirty="0">
+              <a:ln>
+                <a:noFill/>
+              </a:ln>
+              <a:solidFill>
+                <a:schemeClr val="tx1"/>
+              </a:solidFill>
+              <a:effectLst/>
+              <a:latin typeface="Arial" panose="020B0604020202020204" pitchFamily="34" charset="0"/>
+            </a:endParaRPr>
+          </a:p>
+          <a:p>
+            <a:pPr marL="0" marR="0" lvl="0" indent="0" algn="l" defTabSz="914400" rtl="0" eaLnBrk="0" fontAlgn="base" latinLnBrk="0" hangingPunct="0">
+              <a:lnSpc>
+                <a:spcPct val="100000"/>
+              </a:lnSpc>
+              <a:spcBef>
+                <a:spcPct val="0"/>
+              </a:spcBef>
+              <a:spcAft>
+                <a:spcPct val="0"/>
+              </a:spcAft>
+              <a:buClrTx/>
+              <a:buSzTx/>
+              <a:buFontTx/>
+              <a:buChar char="•"/>
+              <a:tabLst/>
+            </a:pPr>
+            <a:r>
+              <a:rPr kumimoji="0" lang="ko-KR" altLang="ko-KR" sz="1000" b="0" i="0" u="none" strike="noStrike" cap="none" normalizeH="0" baseline="0" dirty="0">
+                <a:ln>
+                  <a:noFill/>
+                </a:ln>
+                <a:solidFill>
+                  <a:schemeClr val="tx1"/>
+                </a:solidFill>
+                <a:effectLst/>
+                <a:latin typeface="Arial Unicode MS" panose="020B0604020202020204" pitchFamily="50" charset="-127"/>
+              </a:rPr>
+              <a:t>STORE_NM</a:t>
+            </a:r>
+            <a:r>
+              <a:rPr kumimoji="0" lang="ko-KR" altLang="ko-KR" sz="600" b="0" i="0" u="none" strike="noStrike" cap="none" normalizeH="0" baseline="0" dirty="0">
+                <a:ln>
+                  <a:noFill/>
+                </a:ln>
+                <a:solidFill>
+                  <a:schemeClr val="tx1"/>
+                </a:solidFill>
+                <a:effectLst/>
+              </a:rPr>
+              <a:t> (상호명)</a:t>
+            </a:r>
+            <a:endParaRPr kumimoji="0" lang="ko-KR" altLang="ko-KR" sz="1800" b="0" i="0" u="none" strike="noStrike" cap="none" normalizeH="0" baseline="0" dirty="0">
+              <a:ln>
+                <a:noFill/>
+              </a:ln>
+              <a:solidFill>
+                <a:schemeClr val="tx1"/>
+              </a:solidFill>
+              <a:effectLst/>
+              <a:latin typeface="Arial" panose="020B0604020202020204" pitchFamily="34" charset="0"/>
+            </a:endParaRPr>
+          </a:p>
+          <a:p>
+            <a:pPr marL="0" marR="0" lvl="0" indent="0" algn="l" defTabSz="914400" rtl="0" eaLnBrk="0" fontAlgn="base" latinLnBrk="0" hangingPunct="0">
+              <a:lnSpc>
+                <a:spcPct val="100000"/>
+              </a:lnSpc>
+              <a:spcBef>
+                <a:spcPct val="0"/>
+              </a:spcBef>
+              <a:spcAft>
+                <a:spcPct val="0"/>
+              </a:spcAft>
+              <a:buClrTx/>
+              <a:buSzTx/>
+              <a:buFontTx/>
+              <a:buChar char="•"/>
+              <a:tabLst/>
+            </a:pPr>
+            <a:r>
+              <a:rPr kumimoji="0" lang="ko-KR" altLang="ko-KR" sz="1800" b="1" i="0" u="none" strike="noStrike" cap="none" normalizeH="0" baseline="0" dirty="0">
+                <a:ln>
+                  <a:noFill/>
+                </a:ln>
+                <a:solidFill>
+                  <a:schemeClr val="tx1"/>
+                </a:solidFill>
+                <a:effectLst/>
+                <a:latin typeface="Arial" panose="020B0604020202020204" pitchFamily="34" charset="0"/>
+              </a:rPr>
+              <a:t>소비 및 결제 정보</a:t>
+            </a:r>
+            <a:r>
+              <a:rPr kumimoji="0" lang="ko-KR" altLang="ko-KR" sz="1800" b="0" i="0" u="none" strike="noStrike" cap="none" normalizeH="0" baseline="0" dirty="0">
+                <a:ln>
+                  <a:noFill/>
+                </a:ln>
+                <a:solidFill>
+                  <a:schemeClr val="tx1"/>
+                </a:solidFill>
+                <a:effectLst/>
+                <a:latin typeface="Arial" panose="020B0604020202020204" pitchFamily="34" charset="0"/>
+              </a:rPr>
+              <a:t>:</a:t>
+            </a:r>
+          </a:p>
+          <a:p>
+            <a:pPr marL="0" marR="0" lvl="0" indent="0" algn="l" defTabSz="914400" rtl="0" eaLnBrk="0" fontAlgn="base" latinLnBrk="0" hangingPunct="0">
+              <a:lnSpc>
+                <a:spcPct val="100000"/>
+              </a:lnSpc>
+              <a:spcBef>
+                <a:spcPct val="0"/>
+              </a:spcBef>
+              <a:spcAft>
+                <a:spcPct val="0"/>
+              </a:spcAft>
+              <a:buClrTx/>
+              <a:buSzTx/>
+              <a:buFontTx/>
+              <a:buChar char="•"/>
+              <a:tabLst/>
+            </a:pPr>
+            <a:r>
+              <a:rPr kumimoji="0" lang="ko-KR" altLang="ko-KR" sz="1000" b="0" i="0" u="none" strike="noStrike" cap="none" normalizeH="0" baseline="0" dirty="0">
+                <a:ln>
+                  <a:noFill/>
+                </a:ln>
+                <a:solidFill>
+                  <a:schemeClr val="tx1"/>
+                </a:solidFill>
+                <a:effectLst/>
+                <a:latin typeface="Arial Unicode MS" panose="020B0604020202020204" pitchFamily="50" charset="-127"/>
+              </a:rPr>
+              <a:t>PAYMENT_AMT_WON</a:t>
+            </a:r>
+            <a:r>
+              <a:rPr kumimoji="0" lang="ko-KR" altLang="ko-KR" sz="600" b="0" i="0" u="none" strike="noStrike" cap="none" normalizeH="0" baseline="0" dirty="0">
+                <a:ln>
+                  <a:noFill/>
+                </a:ln>
+                <a:solidFill>
+                  <a:schemeClr val="tx1"/>
+                </a:solidFill>
+                <a:effectLst/>
+              </a:rPr>
+              <a:t> (결제 금액)</a:t>
+            </a:r>
+            <a:endParaRPr kumimoji="0" lang="ko-KR" altLang="ko-KR" sz="1800" b="0" i="0" u="none" strike="noStrike" cap="none" normalizeH="0" baseline="0" dirty="0">
+              <a:ln>
+                <a:noFill/>
+              </a:ln>
+              <a:solidFill>
+                <a:schemeClr val="tx1"/>
+              </a:solidFill>
+              <a:effectLst/>
+              <a:latin typeface="Arial" panose="020B0604020202020204" pitchFamily="34" charset="0"/>
+            </a:endParaRPr>
+          </a:p>
+          <a:p>
+            <a:pPr marL="0" marR="0" lvl="0" indent="0" algn="l" defTabSz="914400" rtl="0" eaLnBrk="0" fontAlgn="base" latinLnBrk="0" hangingPunct="0">
+              <a:lnSpc>
+                <a:spcPct val="100000"/>
+              </a:lnSpc>
+              <a:spcBef>
+                <a:spcPct val="0"/>
+              </a:spcBef>
+              <a:spcAft>
+                <a:spcPct val="0"/>
+              </a:spcAft>
+              <a:buClrTx/>
+              <a:buSzTx/>
+              <a:buFontTx/>
+              <a:buChar char="•"/>
+              <a:tabLst/>
+            </a:pPr>
+            <a:r>
+              <a:rPr kumimoji="0" lang="ko-KR" altLang="ko-KR" sz="1000" b="0" i="0" u="none" strike="noStrike" cap="none" normalizeH="0" baseline="0" dirty="0">
+                <a:ln>
+                  <a:noFill/>
+                </a:ln>
+                <a:solidFill>
+                  <a:schemeClr val="tx1"/>
+                </a:solidFill>
+                <a:effectLst/>
+                <a:latin typeface="Arial Unicode MS" panose="020B0604020202020204" pitchFamily="50" charset="-127"/>
+              </a:rPr>
+              <a:t>PAYMENT_MTHD_SE</a:t>
+            </a:r>
+            <a:r>
+              <a:rPr kumimoji="0" lang="ko-KR" altLang="ko-KR" sz="600" b="0" i="0" u="none" strike="noStrike" cap="none" normalizeH="0" baseline="0" dirty="0">
+                <a:ln>
+                  <a:noFill/>
+                </a:ln>
+                <a:solidFill>
+                  <a:schemeClr val="tx1"/>
+                </a:solidFill>
+                <a:effectLst/>
+              </a:rPr>
+              <a:t> (결제 방식)</a:t>
+            </a:r>
+            <a:endParaRPr kumimoji="0" lang="ko-KR" altLang="ko-KR" sz="1800" b="0" i="0" u="none" strike="noStrike" cap="none" normalizeH="0" baseline="0" dirty="0">
+              <a:ln>
+                <a:noFill/>
+              </a:ln>
+              <a:solidFill>
+                <a:schemeClr val="tx1"/>
+              </a:solidFill>
+              <a:effectLst/>
+              <a:latin typeface="Arial" panose="020B0604020202020204" pitchFamily="34" charset="0"/>
+            </a:endParaRPr>
+          </a:p>
+          <a:p>
+            <a:pPr marL="0" marR="0" lvl="0" indent="0" algn="l" defTabSz="914400" rtl="0" eaLnBrk="0" fontAlgn="base" latinLnBrk="0" hangingPunct="0">
+              <a:lnSpc>
+                <a:spcPct val="100000"/>
+              </a:lnSpc>
+              <a:spcBef>
+                <a:spcPct val="0"/>
+              </a:spcBef>
+              <a:spcAft>
+                <a:spcPct val="0"/>
+              </a:spcAft>
+              <a:buClrTx/>
+              <a:buSzTx/>
+              <a:buFontTx/>
+              <a:buChar char="•"/>
+              <a:tabLst/>
+            </a:pPr>
+            <a:r>
+              <a:rPr kumimoji="0" lang="ko-KR" altLang="ko-KR" sz="1800" b="1" i="0" u="none" strike="noStrike" cap="none" normalizeH="0" baseline="0" dirty="0">
+                <a:ln>
+                  <a:noFill/>
+                </a:ln>
+                <a:solidFill>
+                  <a:schemeClr val="tx1"/>
+                </a:solidFill>
+                <a:effectLst/>
+                <a:latin typeface="Arial" panose="020B0604020202020204" pitchFamily="34" charset="0"/>
+              </a:rPr>
+              <a:t>날씨 정보</a:t>
+            </a:r>
+            <a:r>
+              <a:rPr kumimoji="0" lang="ko-KR" altLang="ko-KR" sz="1800" b="0" i="0" u="none" strike="noStrike" cap="none" normalizeH="0" baseline="0" dirty="0">
+                <a:ln>
+                  <a:noFill/>
+                </a:ln>
+                <a:solidFill>
+                  <a:schemeClr val="tx1"/>
+                </a:solidFill>
+                <a:effectLst/>
+                <a:latin typeface="Arial" panose="020B0604020202020204" pitchFamily="34" charset="0"/>
+              </a:rPr>
+              <a:t>:</a:t>
+            </a:r>
+          </a:p>
+          <a:p>
+            <a:pPr marL="0" marR="0" lvl="0" indent="0" algn="l" defTabSz="914400" rtl="0" eaLnBrk="0" fontAlgn="base" latinLnBrk="0" hangingPunct="0">
+              <a:lnSpc>
+                <a:spcPct val="100000"/>
+              </a:lnSpc>
+              <a:spcBef>
+                <a:spcPct val="0"/>
+              </a:spcBef>
+              <a:spcAft>
+                <a:spcPct val="0"/>
+              </a:spcAft>
+              <a:buClrTx/>
+              <a:buSzTx/>
+              <a:buFontTx/>
+              <a:buChar char="•"/>
+              <a:tabLst/>
+            </a:pPr>
+            <a:r>
+              <a:rPr kumimoji="0" lang="ko-KR" altLang="ko-KR" sz="1000" b="0" i="0" u="none" strike="noStrike" cap="none" normalizeH="0" baseline="0" dirty="0">
+                <a:ln>
+                  <a:noFill/>
+                </a:ln>
+                <a:solidFill>
+                  <a:schemeClr val="tx1"/>
+                </a:solidFill>
+                <a:effectLst/>
+                <a:latin typeface="Arial Unicode MS" panose="020B0604020202020204" pitchFamily="50" charset="-127"/>
+              </a:rPr>
+              <a:t>TEMPERATURE</a:t>
+            </a:r>
+            <a:r>
+              <a:rPr kumimoji="0" lang="ko-KR" altLang="ko-KR" sz="600" b="0" i="0" u="none" strike="noStrike" cap="none" normalizeH="0" baseline="0" dirty="0">
+                <a:ln>
+                  <a:noFill/>
+                </a:ln>
+                <a:solidFill>
+                  <a:schemeClr val="tx1"/>
+                </a:solidFill>
+                <a:effectLst/>
+              </a:rPr>
+              <a:t> (기온)</a:t>
+            </a:r>
+            <a:endParaRPr kumimoji="0" lang="ko-KR" altLang="ko-KR" sz="1800" b="0" i="0" u="none" strike="noStrike" cap="none" normalizeH="0" baseline="0" dirty="0">
+              <a:ln>
+                <a:noFill/>
+              </a:ln>
+              <a:solidFill>
+                <a:schemeClr val="tx1"/>
+              </a:solidFill>
+              <a:effectLst/>
+              <a:latin typeface="Arial" panose="020B0604020202020204" pitchFamily="34" charset="0"/>
+            </a:endParaRPr>
+          </a:p>
+          <a:p>
+            <a:pPr marL="0" marR="0" lvl="0" indent="0" algn="l" defTabSz="914400" rtl="0" eaLnBrk="0" fontAlgn="base" latinLnBrk="0" hangingPunct="0">
+              <a:lnSpc>
+                <a:spcPct val="100000"/>
+              </a:lnSpc>
+              <a:spcBef>
+                <a:spcPct val="0"/>
+              </a:spcBef>
+              <a:spcAft>
+                <a:spcPct val="0"/>
+              </a:spcAft>
+              <a:buClrTx/>
+              <a:buSzTx/>
+              <a:buFontTx/>
+              <a:buChar char="•"/>
+              <a:tabLst/>
+            </a:pPr>
+            <a:r>
+              <a:rPr kumimoji="0" lang="ko-KR" altLang="ko-KR" sz="1000" b="0" i="0" u="none" strike="noStrike" cap="none" normalizeH="0" baseline="0" dirty="0">
+                <a:ln>
+                  <a:noFill/>
+                </a:ln>
+                <a:solidFill>
+                  <a:schemeClr val="tx1"/>
+                </a:solidFill>
+                <a:effectLst/>
+                <a:latin typeface="Arial Unicode MS" panose="020B0604020202020204" pitchFamily="50" charset="-127"/>
+              </a:rPr>
+              <a:t>PRECIPITATION</a:t>
+            </a:r>
+            <a:r>
+              <a:rPr kumimoji="0" lang="ko-KR" altLang="ko-KR" sz="600" b="0" i="0" u="none" strike="noStrike" cap="none" normalizeH="0" baseline="0" dirty="0">
+                <a:ln>
+                  <a:noFill/>
+                </a:ln>
+                <a:solidFill>
+                  <a:schemeClr val="tx1"/>
+                </a:solidFill>
+                <a:effectLst/>
+              </a:rPr>
+              <a:t> (강수량)</a:t>
+            </a:r>
+            <a:endParaRPr kumimoji="0" lang="ko-KR" altLang="ko-KR" sz="1800" b="0" i="0" u="none" strike="noStrike" cap="none" normalizeH="0" baseline="0" dirty="0">
+              <a:ln>
+                <a:noFill/>
+              </a:ln>
+              <a:solidFill>
+                <a:schemeClr val="tx1"/>
+              </a:solidFill>
+              <a:effectLst/>
+              <a:latin typeface="Arial" panose="020B0604020202020204" pitchFamily="34" charset="0"/>
+            </a:endParaRPr>
+          </a:p>
+          <a:p>
+            <a:pPr marL="0" marR="0" lvl="0" indent="0" algn="l" defTabSz="914400" rtl="0" eaLnBrk="0" fontAlgn="base" latinLnBrk="0" hangingPunct="0">
+              <a:lnSpc>
+                <a:spcPct val="100000"/>
+              </a:lnSpc>
+              <a:spcBef>
+                <a:spcPct val="0"/>
+              </a:spcBef>
+              <a:spcAft>
+                <a:spcPct val="0"/>
+              </a:spcAft>
+              <a:buClrTx/>
+              <a:buSzTx/>
+              <a:buFontTx/>
+              <a:buChar char="•"/>
+              <a:tabLst/>
+            </a:pPr>
+            <a:r>
+              <a:rPr kumimoji="0" lang="ko-KR" altLang="ko-KR" sz="1000" b="0" i="0" u="none" strike="noStrike" cap="none" normalizeH="0" baseline="0" dirty="0">
+                <a:ln>
+                  <a:noFill/>
+                </a:ln>
+                <a:solidFill>
+                  <a:schemeClr val="tx1"/>
+                </a:solidFill>
+                <a:effectLst/>
+                <a:latin typeface="Arial Unicode MS" panose="020B0604020202020204" pitchFamily="50" charset="-127"/>
+              </a:rPr>
+              <a:t>SUNSHINE_HOURS</a:t>
+            </a:r>
+            <a:r>
+              <a:rPr kumimoji="0" lang="ko-KR" altLang="ko-KR" sz="600" b="0" i="0" u="none" strike="noStrike" cap="none" normalizeH="0" baseline="0" dirty="0">
+                <a:ln>
+                  <a:noFill/>
+                </a:ln>
+                <a:solidFill>
+                  <a:schemeClr val="tx1"/>
+                </a:solidFill>
+                <a:effectLst/>
+              </a:rPr>
+              <a:t> (일조량)</a:t>
+            </a:r>
+            <a:endParaRPr kumimoji="0" lang="ko-KR" altLang="ko-KR" sz="1800" b="0" i="0" u="none" strike="noStrike" cap="none" normalizeH="0" baseline="0" dirty="0">
+              <a:ln>
+                <a:noFill/>
+              </a:ln>
+              <a:solidFill>
+                <a:schemeClr val="tx1"/>
+              </a:solidFill>
+              <a:effectLst/>
+              <a:latin typeface="Arial" panose="020B0604020202020204" pitchFamily="34" charset="0"/>
+            </a:endParaRPr>
+          </a:p>
+        </p:txBody>
+      </p:sp>
+    </p:spTree>
+    <p:extLst>
+      <p:ext uri="{BB962C8B-B14F-4D97-AF65-F5344CB8AC3E}">
+        <p14:creationId xmlns:p14="http://schemas.microsoft.com/office/powerpoint/2010/main" val="1216586929"/>
+      </p:ext>
+    </p:extLst>
+  </p:cSld>
+  <p:clrMapOvr>
+    <a:masterClrMapping/>
+  </p:clrMapOvr>
+</p:sld>
+</file>
+
 <file path=ppt/slides/slide2.xml><?xml version="1.0" encoding="utf-8"?>
 <p:sld xmlns:a="http://schemas.openxmlformats.org/drawingml/2006/main" xmlns:r="http://schemas.openxmlformats.org/officeDocument/2006/relationships" xmlns:p="http://schemas.openxmlformats.org/presentationml/2006/main">
   <p:cSld>
@@ -3814,7 +6422,7 @@
             </a:r>
             <a:r>
               <a:rPr lang="ko-KR" altLang="en-US" dirty="0"/>
-              <a:t>날씨</a:t>
+              <a:t>현재날씨</a:t>
             </a:r>
             <a:r>
               <a:rPr lang="en-US" altLang="ko-KR" dirty="0"/>
@@ -4385,108 +6993,129 @@
           </a:p>
         </p:txBody>
       </p:sp>
-      <p:pic>
-        <p:nvPicPr>
-          <p:cNvPr id="4" name="그림 3">
-            <a:extLst>
-              <a:ext uri="{FF2B5EF4-FFF2-40B4-BE49-F238E27FC236}">
-                <a16:creationId xmlns:a16="http://schemas.microsoft.com/office/drawing/2014/main" id="{2A627223-025A-92EB-901F-CB6537FB9CF4}"/>
-              </a:ext>
-            </a:extLst>
-          </p:cNvPr>
-          <p:cNvPicPr>
-            <a:picLocks noChangeAspect="1"/>
-          </p:cNvPicPr>
+      <p:grpSp>
+        <p:nvGrpSpPr>
+          <p:cNvPr id="3" name="그룹 2">
+            <a:extLst>
+              <a:ext uri="{FF2B5EF4-FFF2-40B4-BE49-F238E27FC236}">
+                <a16:creationId xmlns:a16="http://schemas.microsoft.com/office/drawing/2014/main" id="{BB682D0D-ECF2-3F76-C4A6-9E9C4BDD6246}"/>
+              </a:ext>
+            </a:extLst>
+          </p:cNvPr>
+          <p:cNvGrpSpPr/>
           <p:nvPr/>
-        </p:nvPicPr>
-        <p:blipFill>
-          <a:blip r:embed="rId2"/>
-          <a:stretch>
-            <a:fillRect/>
-          </a:stretch>
-        </p:blipFill>
-        <p:spPr>
+        </p:nvGrpSpPr>
+        <p:grpSpPr>
           <a:xfrm>
-            <a:off x="2959268" y="1678023"/>
+            <a:off x="3161399" y="1678023"/>
             <a:ext cx="5869202" cy="3501954"/>
+            <a:chOff x="2959268" y="1678023"/>
+            <a:chExt cx="5869202" cy="3501954"/>
           </a:xfrm>
-          <a:prstGeom prst="rect">
-            <a:avLst/>
-          </a:prstGeom>
-        </p:spPr>
-      </p:pic>
-      <p:cxnSp>
-        <p:nvCxnSpPr>
-          <p:cNvPr id="6" name="직선 연결선 5">
-            <a:extLst>
-              <a:ext uri="{FF2B5EF4-FFF2-40B4-BE49-F238E27FC236}">
-                <a16:creationId xmlns:a16="http://schemas.microsoft.com/office/drawing/2014/main" id="{66D44FE9-7C09-428A-5247-BA8D63B26333}"/>
-              </a:ext>
-            </a:extLst>
-          </p:cNvPr>
-          <p:cNvCxnSpPr/>
-          <p:nvPr/>
-        </p:nvCxnSpPr>
-        <p:spPr>
-          <a:xfrm>
-            <a:off x="4370119" y="2743200"/>
-            <a:ext cx="3491346" cy="1472540"/>
-          </a:xfrm>
-          <a:prstGeom prst="line">
-            <a:avLst/>
-          </a:prstGeom>
-        </p:spPr>
-        <p:style>
-          <a:lnRef idx="2">
-            <a:schemeClr val="accent1"/>
-          </a:lnRef>
-          <a:fillRef idx="0">
-            <a:schemeClr val="accent1"/>
-          </a:fillRef>
-          <a:effectRef idx="1">
-            <a:schemeClr val="accent1"/>
-          </a:effectRef>
-          <a:fontRef idx="minor">
-            <a:schemeClr val="tx1"/>
-          </a:fontRef>
-        </p:style>
-      </p:cxnSp>
-      <p:cxnSp>
-        <p:nvCxnSpPr>
-          <p:cNvPr id="9" name="직선 연결선 8">
-            <a:extLst>
-              <a:ext uri="{FF2B5EF4-FFF2-40B4-BE49-F238E27FC236}">
-                <a16:creationId xmlns:a16="http://schemas.microsoft.com/office/drawing/2014/main" id="{F6AE1AB6-06EA-CEAF-B19C-1774227F4677}"/>
-              </a:ext>
-            </a:extLst>
-          </p:cNvPr>
-          <p:cNvCxnSpPr/>
-          <p:nvPr/>
-        </p:nvCxnSpPr>
-        <p:spPr>
-          <a:xfrm flipH="1">
-            <a:off x="4785756" y="1947553"/>
-            <a:ext cx="2719449" cy="2885704"/>
-          </a:xfrm>
-          <a:prstGeom prst="line">
-            <a:avLst/>
-          </a:prstGeom>
-        </p:spPr>
-        <p:style>
-          <a:lnRef idx="2">
-            <a:schemeClr val="accent1"/>
-          </a:lnRef>
-          <a:fillRef idx="0">
-            <a:schemeClr val="accent1"/>
-          </a:fillRef>
-          <a:effectRef idx="1">
-            <a:schemeClr val="accent1"/>
-          </a:effectRef>
-          <a:fontRef idx="minor">
-            <a:schemeClr val="tx1"/>
-          </a:fontRef>
-        </p:style>
-      </p:cxnSp>
+        </p:grpSpPr>
+        <p:pic>
+          <p:nvPicPr>
+            <p:cNvPr id="4" name="그림 3">
+              <a:extLst>
+                <a:ext uri="{FF2B5EF4-FFF2-40B4-BE49-F238E27FC236}">
+                  <a16:creationId xmlns:a16="http://schemas.microsoft.com/office/drawing/2014/main" id="{2A627223-025A-92EB-901F-CB6537FB9CF4}"/>
+                </a:ext>
+              </a:extLst>
+            </p:cNvPr>
+            <p:cNvPicPr>
+              <a:picLocks noChangeAspect="1"/>
+            </p:cNvPicPr>
+            <p:nvPr/>
+          </p:nvPicPr>
+          <p:blipFill>
+            <a:blip r:embed="rId2"/>
+            <a:stretch>
+              <a:fillRect/>
+            </a:stretch>
+          </p:blipFill>
+          <p:spPr>
+            <a:xfrm>
+              <a:off x="2959268" y="1678023"/>
+              <a:ext cx="5869202" cy="3501954"/>
+            </a:xfrm>
+            <a:prstGeom prst="rect">
+              <a:avLst/>
+            </a:prstGeom>
+          </p:spPr>
+        </p:pic>
+        <p:cxnSp>
+          <p:nvCxnSpPr>
+            <p:cNvPr id="6" name="직선 연결선 5">
+              <a:extLst>
+                <a:ext uri="{FF2B5EF4-FFF2-40B4-BE49-F238E27FC236}">
+                  <a16:creationId xmlns:a16="http://schemas.microsoft.com/office/drawing/2014/main" id="{66D44FE9-7C09-428A-5247-BA8D63B26333}"/>
+                </a:ext>
+              </a:extLst>
+            </p:cNvPr>
+            <p:cNvCxnSpPr/>
+            <p:nvPr/>
+          </p:nvCxnSpPr>
+          <p:spPr>
+            <a:xfrm>
+              <a:off x="4370119" y="2743200"/>
+              <a:ext cx="3491346" cy="1472540"/>
+            </a:xfrm>
+            <a:prstGeom prst="line">
+              <a:avLst/>
+            </a:prstGeom>
+          </p:spPr>
+          <p:style>
+            <a:lnRef idx="2">
+              <a:schemeClr val="accent1"/>
+            </a:lnRef>
+            <a:fillRef idx="0">
+              <a:schemeClr val="accent1"/>
+            </a:fillRef>
+            <a:effectRef idx="1">
+              <a:schemeClr val="accent1"/>
+            </a:effectRef>
+            <a:fontRef idx="minor">
+              <a:schemeClr val="tx1"/>
+            </a:fontRef>
+          </p:style>
+        </p:cxnSp>
+        <p:cxnSp>
+          <p:nvCxnSpPr>
+            <p:cNvPr id="9" name="직선 연결선 8">
+              <a:extLst>
+                <a:ext uri="{FF2B5EF4-FFF2-40B4-BE49-F238E27FC236}">
+                  <a16:creationId xmlns:a16="http://schemas.microsoft.com/office/drawing/2014/main" id="{F6AE1AB6-06EA-CEAF-B19C-1774227F4677}"/>
+                </a:ext>
+              </a:extLst>
+            </p:cNvPr>
+            <p:cNvCxnSpPr/>
+            <p:nvPr/>
+          </p:nvCxnSpPr>
+          <p:spPr>
+            <a:xfrm flipH="1">
+              <a:off x="4785756" y="1947553"/>
+              <a:ext cx="2719449" cy="2885704"/>
+            </a:xfrm>
+            <a:prstGeom prst="line">
+              <a:avLst/>
+            </a:prstGeom>
+          </p:spPr>
+          <p:style>
+            <a:lnRef idx="2">
+              <a:schemeClr val="accent1"/>
+            </a:lnRef>
+            <a:fillRef idx="0">
+              <a:schemeClr val="accent1"/>
+            </a:fillRef>
+            <a:effectRef idx="1">
+              <a:schemeClr val="accent1"/>
+            </a:effectRef>
+            <a:fontRef idx="minor">
+              <a:schemeClr val="tx1"/>
+            </a:fontRef>
+          </p:style>
+        </p:cxnSp>
+      </p:grpSp>
     </p:spTree>
     <p:extLst>
       <p:ext uri="{BB962C8B-B14F-4D97-AF65-F5344CB8AC3E}">
@@ -4578,7 +7207,15 @@
           <a:p>
             <a:r>
               <a:rPr lang="ko-KR" altLang="en-US" dirty="0"/>
-              <a:t>성산 </a:t>
+              <a:t>성산</a:t>
+            </a:r>
+            <a:r>
+              <a:rPr lang="en-US" altLang="ko-KR" dirty="0"/>
+              <a:t>(188)</a:t>
+            </a:r>
+            <a:r>
+              <a:rPr lang="ko-KR" altLang="en-US" dirty="0"/>
+              <a:t> </a:t>
             </a:r>
             <a:r>
               <a:rPr lang="en-US" altLang="ko-KR" dirty="0"/>
@@ -4596,12 +7233,28 @@
               <a:rPr lang="ko-KR" altLang="en-US" dirty="0"/>
               <a:t>성산읍</a:t>
             </a:r>
+            <a:r>
+              <a:rPr lang="en-US" altLang="ko-KR" dirty="0"/>
+              <a:t>, </a:t>
+            </a:r>
+            <a:r>
+              <a:rPr lang="ko-KR" altLang="en-US" dirty="0" err="1"/>
+              <a:t>우도면</a:t>
+            </a:r>
             <a:endParaRPr lang="en-US" altLang="ko-KR" dirty="0"/>
           </a:p>
           <a:p>
             <a:r>
               <a:rPr lang="ko-KR" altLang="en-US" dirty="0"/>
-              <a:t>제주 </a:t>
+              <a:t>제주</a:t>
+            </a:r>
+            <a:r>
+              <a:rPr lang="en-US" altLang="ko-KR" dirty="0"/>
+              <a:t>(184)</a:t>
+            </a:r>
+            <a:r>
+              <a:rPr lang="ko-KR" altLang="en-US" dirty="0"/>
+              <a:t> </a:t>
             </a:r>
             <a:r>
               <a:rPr lang="en-US" altLang="ko-KR" dirty="0"/>
@@ -4643,7 +7296,15 @@
           <a:p>
             <a:r>
               <a:rPr lang="ko-KR" altLang="en-US" dirty="0"/>
-              <a:t>서귀포 </a:t>
+              <a:t>서귀포</a:t>
+            </a:r>
+            <a:r>
+              <a:rPr lang="en-US" altLang="ko-KR" dirty="0"/>
+              <a:t>(189)</a:t>
+            </a:r>
+            <a:r>
+              <a:rPr lang="ko-KR" altLang="en-US" dirty="0"/>
+              <a:t> </a:t>
             </a:r>
             <a:r>
               <a:rPr lang="en-US" altLang="ko-KR" dirty="0"/>
@@ -4682,7 +7343,15 @@
           <a:p>
             <a:r>
               <a:rPr lang="ko-KR" altLang="en-US" dirty="0"/>
-              <a:t>고산 </a:t>
+              <a:t>고산</a:t>
+            </a:r>
+            <a:r>
+              <a:rPr lang="en-US" altLang="ko-KR" dirty="0"/>
+              <a:t>(185)</a:t>
+            </a:r>
+            <a:r>
+              <a:rPr lang="ko-KR" altLang="en-US" dirty="0"/>
+              <a:t> </a:t>
             </a:r>
             <a:r>
               <a:rPr lang="en-US" altLang="ko-KR" dirty="0"/>
@@ -4820,7 +7489,7 @@
         <p:cNvPr id="1" name="">
           <a:extLst>
             <a:ext uri="{FF2B5EF4-FFF2-40B4-BE49-F238E27FC236}">
-              <a16:creationId xmlns:a16="http://schemas.microsoft.com/office/drawing/2014/main" id="{CAB7E838-714F-F359-3E6A-6E200B6F136B}"/>
+              <a16:creationId xmlns:a16="http://schemas.microsoft.com/office/drawing/2014/main" id="{18B1F9D7-AB29-5929-17F0-B80F116AB73D}"/>
             </a:ext>
           </a:extLst>
         </p:cNvPr>
@@ -4835,51 +7504,1075 @@
           <a:chExt cx="0" cy="0"/>
         </a:xfrm>
       </p:grpSpPr>
-      <p:pic>
-        <p:nvPicPr>
-          <p:cNvPr id="3" name="_x229164856" descr="EMB000051305508"/>
-          <p:cNvPicPr>
-            <a:picLocks noChangeAspect="1" noChangeArrowheads="1"/>
-          </p:cNvPicPr>
+      <p:sp>
+        <p:nvSpPr>
+          <p:cNvPr id="8" name="TextBox 7">
+            <a:extLst>
+              <a:ext uri="{FF2B5EF4-FFF2-40B4-BE49-F238E27FC236}">
+                <a16:creationId xmlns:a16="http://schemas.microsoft.com/office/drawing/2014/main" id="{EE17023F-CDAB-A24A-A630-49E037D92908}"/>
+              </a:ext>
+            </a:extLst>
+          </p:cNvPr>
+          <p:cNvSpPr txBox="1"/>
           <p:nvPr/>
-        </p:nvPicPr>
-        <p:blipFill>
-          <a:blip r:embed="rId2">
-            <a:extLst>
-              <a:ext uri="{28A0092B-C50C-407E-A947-70E740481C1C}">
-                <a14:useLocalDpi xmlns:a14="http://schemas.microsoft.com/office/drawing/2010/main" val="0"/>
-              </a:ext>
-            </a:extLst>
-          </a:blip>
-          <a:srcRect/>
-          <a:stretch>
-            <a:fillRect/>
-          </a:stretch>
-        </p:blipFill>
-        <p:spPr bwMode="auto">
+        </p:nvSpPr>
+        <p:spPr>
           <a:xfrm>
-            <a:off x="2793416" y="2936998"/>
-            <a:ext cx="11980334" cy="7035239"/>
+            <a:off x="2753428" y="440861"/>
+            <a:ext cx="9062519" cy="5909310"/>
           </a:xfrm>
           <a:prstGeom prst="rect">
             <a:avLst/>
           </a:prstGeom>
           <a:noFill/>
-          <a:extLst>
-            <a:ext uri="{909E8E84-426E-40DD-AFC4-6F175D3DCCD1}">
-              <a14:hiddenFill xmlns:a14="http://schemas.microsoft.com/office/drawing/2010/main">
-                <a:solidFill>
-                  <a:srgbClr val="FFFFFF"/>
-                </a:solidFill>
-              </a14:hiddenFill>
-            </a:ext>
-          </a:extLst>
         </p:spPr>
-      </p:pic>
+        <p:txBody>
+          <a:bodyPr wrap="square" rtlCol="0">
+            <a:spAutoFit/>
+          </a:bodyPr>
+          <a:lstStyle/>
+          <a:p>
+            <a:r>
+              <a:rPr lang="ko-KR" altLang="en-US" b="1" dirty="0"/>
+              <a:t>데이터 </a:t>
+            </a:r>
+            <a:r>
+              <a:rPr lang="ko-KR" altLang="en-US" b="1" dirty="0" err="1"/>
+              <a:t>전처리</a:t>
+            </a:r>
+            <a:r>
+              <a:rPr lang="en-US" altLang="ko-KR" b="1" dirty="0"/>
+              <a:t>(Normalization, Standardization)</a:t>
+            </a:r>
+          </a:p>
+          <a:p>
+            <a:r>
+              <a:rPr lang="ko-KR" altLang="en-US" dirty="0"/>
+              <a:t>여행지 추천 시스템에 입력될 데이터를 </a:t>
+            </a:r>
+            <a:r>
+              <a:rPr lang="ko-KR" altLang="en-US" dirty="0" err="1"/>
+              <a:t>전처리</a:t>
+            </a:r>
+            <a:r>
+              <a:rPr lang="ko-KR" altLang="en-US" dirty="0"/>
+              <a:t> 하는데 사용</a:t>
+            </a:r>
+            <a:endParaRPr lang="en-US" altLang="ko-KR" dirty="0"/>
+          </a:p>
+          <a:p>
+            <a:r>
+              <a:rPr lang="ko-KR" altLang="en-US" dirty="0"/>
+              <a:t>여행지의 특징</a:t>
+            </a:r>
+            <a:r>
+              <a:rPr lang="en-US" altLang="ko-KR" dirty="0"/>
+              <a:t>(</a:t>
+            </a:r>
+            <a:r>
+              <a:rPr lang="ko-KR" altLang="en-US" dirty="0"/>
+              <a:t>위치</a:t>
+            </a:r>
+            <a:r>
+              <a:rPr lang="en-US" altLang="ko-KR" dirty="0"/>
+              <a:t>, </a:t>
+            </a:r>
+            <a:r>
+              <a:rPr lang="ko-KR" altLang="en-US" dirty="0"/>
+              <a:t>날씨</a:t>
+            </a:r>
+            <a:r>
+              <a:rPr lang="en-US" altLang="ko-KR" dirty="0"/>
+              <a:t>, </a:t>
+            </a:r>
+            <a:r>
+              <a:rPr lang="ko-KR" altLang="en-US" dirty="0"/>
+              <a:t>가격대 등</a:t>
+            </a:r>
+            <a:r>
+              <a:rPr lang="en-US" altLang="ko-KR" dirty="0"/>
+              <a:t>)</a:t>
+            </a:r>
+            <a:r>
+              <a:rPr lang="ko-KR" altLang="en-US" dirty="0"/>
+              <a:t>을 표준화 또는 정규화 하여 다양한 특성을 일관성 있게 비교하고 사용할 수 있음</a:t>
+            </a:r>
+            <a:endParaRPr lang="en-US" altLang="ko-KR" dirty="0"/>
+          </a:p>
+          <a:p>
+            <a:endParaRPr lang="en-US" altLang="ko-KR" dirty="0"/>
+          </a:p>
+          <a:p>
+            <a:r>
+              <a:rPr lang="ko-KR" altLang="en-US" b="1" dirty="0"/>
+              <a:t>차원 축소</a:t>
+            </a:r>
+            <a:r>
+              <a:rPr lang="en-US" altLang="ko-KR" b="1" dirty="0"/>
+              <a:t>(Covariance Matrix, Eigenvector, Eigenvalue, PCA)</a:t>
+            </a:r>
+          </a:p>
+          <a:p>
+            <a:r>
+              <a:rPr lang="ko-KR" altLang="en-US" dirty="0"/>
+              <a:t>추천 시스템에서 다양한 특징이 많은 여행지를 다룰 때 </a:t>
+            </a:r>
+            <a:r>
+              <a:rPr lang="en-US" altLang="ko-KR" dirty="0"/>
+              <a:t>PCA</a:t>
+            </a:r>
+            <a:r>
+              <a:rPr lang="ko-KR" altLang="en-US" dirty="0"/>
+              <a:t>를 활용해 차원을 축소할 수 있음</a:t>
+            </a:r>
+            <a:r>
+              <a:rPr lang="en-US" altLang="ko-KR" dirty="0"/>
+              <a:t>. </a:t>
+            </a:r>
+            <a:r>
+              <a:rPr lang="ko-KR" altLang="en-US" dirty="0"/>
+              <a:t>여행지의 여러 특성을 몇 개의 주요 성분으로 요약해 </a:t>
+            </a:r>
+            <a:r>
+              <a:rPr lang="ko-KR" altLang="en-US" dirty="0" err="1"/>
+              <a:t>연산량을</a:t>
+            </a:r>
+            <a:r>
+              <a:rPr lang="ko-KR" altLang="en-US" dirty="0"/>
+              <a:t> 줄이고</a:t>
+            </a:r>
+            <a:r>
+              <a:rPr lang="en-US" altLang="ko-KR" dirty="0"/>
+              <a:t>, </a:t>
+            </a:r>
+            <a:r>
+              <a:rPr lang="ko-KR" altLang="en-US" dirty="0"/>
+              <a:t>비슷한 유형의 여행지를 쉽게 클러스터링 할 수 있음</a:t>
+            </a:r>
+            <a:endParaRPr lang="en-US" altLang="ko-KR" dirty="0"/>
+          </a:p>
+          <a:p>
+            <a:endParaRPr lang="en-US" altLang="ko-KR" dirty="0"/>
+          </a:p>
+          <a:p>
+            <a:r>
+              <a:rPr lang="ko-KR" altLang="en-US" b="1" dirty="0"/>
+              <a:t>유사도 계산과 분류 모델</a:t>
+            </a:r>
+            <a:r>
+              <a:rPr lang="en-US" altLang="ko-KR" b="1" dirty="0"/>
+              <a:t>(KL Divergence, Linear Regression, Logistic Regression, Multinomial Logistic Regression)</a:t>
+            </a:r>
+          </a:p>
+          <a:p>
+            <a:r>
+              <a:rPr lang="en-US" altLang="ko-KR" dirty="0"/>
+              <a:t>KL Divergence : </a:t>
+            </a:r>
+            <a:r>
+              <a:rPr lang="ko-KR" altLang="en-US" dirty="0"/>
+              <a:t>여행지 특성 분포와 사용자의 선호도 분포 간의 차이를 측정해</a:t>
+            </a:r>
+            <a:r>
+              <a:rPr lang="en-US" altLang="ko-KR" dirty="0"/>
+              <a:t>, </a:t>
+            </a:r>
+            <a:r>
+              <a:rPr lang="ko-KR" altLang="en-US" dirty="0"/>
+              <a:t>사용자와 유사한 특성을 가진 여행지를 추천할 수 있음</a:t>
+            </a:r>
+            <a:endParaRPr lang="en-US" altLang="ko-KR" dirty="0"/>
+          </a:p>
+          <a:p>
+            <a:r>
+              <a:rPr lang="en-US" altLang="ko-KR" dirty="0"/>
+              <a:t>Logistic Regression, </a:t>
+            </a:r>
+            <a:r>
+              <a:rPr lang="en-US" altLang="ko-KR" dirty="0" err="1"/>
+              <a:t>Softmax</a:t>
+            </a:r>
+            <a:r>
+              <a:rPr lang="en-US" altLang="ko-KR" dirty="0"/>
+              <a:t> : </a:t>
+            </a:r>
+            <a:r>
+              <a:rPr lang="ko-KR" altLang="en-US" dirty="0"/>
+              <a:t>사용자에게 다중 클래스 분류를 적용할 수 있음</a:t>
+            </a:r>
+            <a:r>
+              <a:rPr lang="en-US" altLang="ko-KR" dirty="0"/>
+              <a:t>. </a:t>
+            </a:r>
+            <a:r>
+              <a:rPr lang="ko-KR" altLang="en-US" dirty="0"/>
+              <a:t>예를 들어</a:t>
+            </a:r>
+            <a:r>
+              <a:rPr lang="en-US" altLang="ko-KR" dirty="0"/>
+              <a:t>, </a:t>
+            </a:r>
+            <a:r>
+              <a:rPr lang="ko-KR" altLang="en-US" dirty="0"/>
+              <a:t>각 여행지를 클래스처럼 간주하고 </a:t>
+            </a:r>
+            <a:r>
+              <a:rPr lang="ko-KR" altLang="en-US" dirty="0" err="1"/>
+              <a:t>소프트맥스를</a:t>
+            </a:r>
+            <a:r>
+              <a:rPr lang="ko-KR" altLang="en-US" dirty="0"/>
+              <a:t> 사용해 특정 여행지가 추천 목록에 포함될 확률을 예측할 수 있음</a:t>
+            </a:r>
+            <a:endParaRPr lang="en-US" altLang="ko-KR" dirty="0"/>
+          </a:p>
+          <a:p>
+            <a:r>
+              <a:rPr lang="en-US" altLang="ko-KR" dirty="0"/>
+              <a:t>Linear Regression : </a:t>
+            </a:r>
+            <a:r>
+              <a:rPr lang="ko-KR" altLang="en-US" dirty="0"/>
+              <a:t>여행지의 점수</a:t>
+            </a:r>
+            <a:r>
+              <a:rPr lang="en-US" altLang="ko-KR" dirty="0"/>
+              <a:t>(</a:t>
+            </a:r>
+            <a:r>
+              <a:rPr lang="ko-KR" altLang="en-US" dirty="0"/>
+              <a:t>사용자 </a:t>
+            </a:r>
+            <a:r>
+              <a:rPr lang="ko-KR" altLang="en-US" dirty="0" err="1"/>
+              <a:t>클릭률</a:t>
+            </a:r>
+            <a:r>
+              <a:rPr lang="en-US" altLang="ko-KR" dirty="0"/>
+              <a:t>, </a:t>
+            </a:r>
+            <a:r>
+              <a:rPr lang="ko-KR" altLang="en-US" dirty="0" err="1"/>
+              <a:t>방문률</a:t>
+            </a:r>
+            <a:r>
+              <a:rPr lang="ko-KR" altLang="en-US" dirty="0"/>
+              <a:t> 등</a:t>
+            </a:r>
+            <a:r>
+              <a:rPr lang="en-US" altLang="ko-KR" dirty="0"/>
+              <a:t>)</a:t>
+            </a:r>
+            <a:r>
+              <a:rPr lang="ko-KR" altLang="en-US" dirty="0"/>
+              <a:t>를 예측하는데 사용하여</a:t>
+            </a:r>
+            <a:r>
+              <a:rPr lang="en-US" altLang="ko-KR" dirty="0"/>
+              <a:t>, </a:t>
+            </a:r>
+            <a:r>
+              <a:rPr lang="ko-KR" altLang="en-US" dirty="0"/>
+              <a:t>높은 점수를 받을 확률이 높은 여행지를 추천할 수 있음</a:t>
+            </a:r>
+            <a:endParaRPr lang="en-US" altLang="ko-KR" dirty="0"/>
+          </a:p>
+          <a:p>
+            <a:endParaRPr lang="en-US" altLang="ko-KR" dirty="0"/>
+          </a:p>
+          <a:p>
+            <a:endParaRPr lang="en-US" altLang="ko-KR" dirty="0"/>
+          </a:p>
+        </p:txBody>
+      </p:sp>
+      <p:sp>
+        <p:nvSpPr>
+          <p:cNvPr id="2" name="TextBox 1">
+            <a:extLst>
+              <a:ext uri="{FF2B5EF4-FFF2-40B4-BE49-F238E27FC236}">
+                <a16:creationId xmlns:a16="http://schemas.microsoft.com/office/drawing/2014/main" id="{49E72FD0-FDD5-DD11-107C-869A268B25C4}"/>
+              </a:ext>
+            </a:extLst>
+          </p:cNvPr>
+          <p:cNvSpPr txBox="1"/>
+          <p:nvPr/>
+        </p:nvSpPr>
+        <p:spPr>
+          <a:xfrm>
+            <a:off x="202518" y="231648"/>
+            <a:ext cx="2252247" cy="584775"/>
+          </a:xfrm>
+          <a:prstGeom prst="rect">
+            <a:avLst/>
+          </a:prstGeom>
+          <a:noFill/>
+        </p:spPr>
+        <p:txBody>
+          <a:bodyPr wrap="square" rtlCol="0">
+            <a:spAutoFit/>
+          </a:bodyPr>
+          <a:lstStyle/>
+          <a:p>
+            <a:r>
+              <a:rPr lang="en-US" altLang="ko-KR" sz="3200" b="1" dirty="0"/>
+              <a:t>11</a:t>
+            </a:r>
+            <a:r>
+              <a:rPr lang="ko-KR" altLang="en-US" sz="3200" b="1" dirty="0"/>
+              <a:t>월 </a:t>
+            </a:r>
+            <a:r>
+              <a:rPr lang="en-US" altLang="ko-KR" sz="3200" b="1" dirty="0"/>
+              <a:t>12</a:t>
+            </a:r>
+            <a:r>
+              <a:rPr lang="ko-KR" altLang="en-US" sz="3200" b="1" dirty="0"/>
+              <a:t>일</a:t>
+            </a:r>
+          </a:p>
+        </p:txBody>
+      </p:sp>
     </p:spTree>
     <p:extLst>
       <p:ext uri="{BB962C8B-B14F-4D97-AF65-F5344CB8AC3E}">
-        <p14:creationId xmlns:p14="http://schemas.microsoft.com/office/powerpoint/2010/main" val="1893252418"/>
+        <p14:creationId xmlns:p14="http://schemas.microsoft.com/office/powerpoint/2010/main" val="1906686789"/>
+      </p:ext>
+    </p:extLst>
+  </p:cSld>
+  <p:clrMapOvr>
+    <a:masterClrMapping/>
+  </p:clrMapOvr>
+</p:sld>
+</file>
+
+<file path=ppt/slides/slide7.xml><?xml version="1.0" encoding="utf-8"?>
+<p:sld xmlns:a="http://schemas.openxmlformats.org/drawingml/2006/main" xmlns:r="http://schemas.openxmlformats.org/officeDocument/2006/relationships" xmlns:p="http://schemas.openxmlformats.org/presentationml/2006/main">
+  <p:cSld>
+    <p:spTree>
+      <p:nvGrpSpPr>
+        <p:cNvPr id="1" name="">
+          <a:extLst>
+            <a:ext uri="{FF2B5EF4-FFF2-40B4-BE49-F238E27FC236}">
+              <a16:creationId xmlns:a16="http://schemas.microsoft.com/office/drawing/2014/main" id="{6E3758BE-3EEA-B809-7F82-2976B89CC112}"/>
+            </a:ext>
+          </a:extLst>
+        </p:cNvPr>
+        <p:cNvGrpSpPr/>
+        <p:nvPr/>
+      </p:nvGrpSpPr>
+      <p:grpSpPr>
+        <a:xfrm>
+          <a:off x="0" y="0"/>
+          <a:ext cx="0" cy="0"/>
+          <a:chOff x="0" y="0"/>
+          <a:chExt cx="0" cy="0"/>
+        </a:xfrm>
+      </p:grpSpPr>
+      <p:sp>
+        <p:nvSpPr>
+          <p:cNvPr id="8" name="TextBox 7">
+            <a:extLst>
+              <a:ext uri="{FF2B5EF4-FFF2-40B4-BE49-F238E27FC236}">
+                <a16:creationId xmlns:a16="http://schemas.microsoft.com/office/drawing/2014/main" id="{B066D19B-E78B-039D-2565-CA43278CA28F}"/>
+              </a:ext>
+            </a:extLst>
+          </p:cNvPr>
+          <p:cNvSpPr txBox="1"/>
+          <p:nvPr/>
+        </p:nvSpPr>
+        <p:spPr>
+          <a:xfrm>
+            <a:off x="2753428" y="440861"/>
+            <a:ext cx="9062519" cy="2585323"/>
+          </a:xfrm>
+          <a:prstGeom prst="rect">
+            <a:avLst/>
+          </a:prstGeom>
+          <a:noFill/>
+        </p:spPr>
+        <p:txBody>
+          <a:bodyPr wrap="square" rtlCol="0">
+            <a:spAutoFit/>
+          </a:bodyPr>
+          <a:lstStyle/>
+          <a:p>
+            <a:r>
+              <a:rPr lang="en-US" altLang="ko-KR" b="1" dirty="0"/>
+              <a:t>Entropy, Cross Entropy, Binary Cross Entropy</a:t>
+            </a:r>
+          </a:p>
+          <a:p>
+            <a:r>
+              <a:rPr lang="en-US" altLang="ko-KR" dirty="0"/>
+              <a:t>Entropy, Cross Entropy : </a:t>
+            </a:r>
+            <a:r>
+              <a:rPr lang="ko-KR" altLang="en-US" dirty="0"/>
+              <a:t>사용자와 여행지 특성의 정보량을 비교하거나</a:t>
+            </a:r>
+            <a:r>
+              <a:rPr lang="en-US" altLang="ko-KR" dirty="0"/>
+              <a:t>, </a:t>
+            </a:r>
+            <a:r>
+              <a:rPr lang="ko-KR" altLang="en-US" dirty="0"/>
+              <a:t>추천 모델의 학습 손실을 계산하는데 활용할 수 있음</a:t>
+            </a:r>
+            <a:endParaRPr lang="en-US" altLang="ko-KR" dirty="0"/>
+          </a:p>
+          <a:p>
+            <a:r>
+              <a:rPr lang="en-US" altLang="ko-KR" dirty="0"/>
+              <a:t>Binary Cross Entropy : </a:t>
+            </a:r>
+            <a:r>
+              <a:rPr lang="ko-KR" altLang="en-US" dirty="0"/>
+              <a:t>여행지 추천이 단순히 추천 여부를 예측해야 하는 경우</a:t>
+            </a:r>
+            <a:r>
+              <a:rPr lang="en-US" altLang="ko-KR" dirty="0"/>
+              <a:t>, Binary Classification</a:t>
+            </a:r>
+            <a:r>
+              <a:rPr lang="ko-KR" altLang="en-US" dirty="0"/>
+              <a:t>처럼 추천할지 말지를 예측하는 이진 분류로 접근할 수 있음</a:t>
+            </a:r>
+            <a:endParaRPr lang="en-US" altLang="ko-KR" dirty="0"/>
+          </a:p>
+          <a:p>
+            <a:endParaRPr lang="en-US" altLang="ko-KR" dirty="0"/>
+          </a:p>
+          <a:p>
+            <a:r>
+              <a:rPr lang="ko-KR" altLang="en-US" b="1" dirty="0"/>
+              <a:t>추천 모델 평가</a:t>
+            </a:r>
+            <a:endParaRPr lang="en-US" altLang="ko-KR" b="1" dirty="0"/>
+          </a:p>
+          <a:p>
+            <a:r>
+              <a:rPr lang="ko-KR" altLang="en-US" dirty="0"/>
+              <a:t>추천 시스템이 예측한 여행지와 실제 선호 여행지 간의 불확실성을 측정할 때 </a:t>
+            </a:r>
+            <a:r>
+              <a:rPr lang="en-US" altLang="ko-KR" dirty="0"/>
+              <a:t>Cross Entropy, KL Divergence </a:t>
+            </a:r>
+            <a:r>
+              <a:rPr lang="ko-KR" altLang="en-US" dirty="0"/>
+              <a:t>등을 활용하여 모델의 예측 성능을 측정할 수 있음</a:t>
+            </a:r>
+            <a:endParaRPr lang="en-US" altLang="ko-KR" dirty="0"/>
+          </a:p>
+        </p:txBody>
+      </p:sp>
+      <p:sp>
+        <p:nvSpPr>
+          <p:cNvPr id="2" name="TextBox 1">
+            <a:extLst>
+              <a:ext uri="{FF2B5EF4-FFF2-40B4-BE49-F238E27FC236}">
+                <a16:creationId xmlns:a16="http://schemas.microsoft.com/office/drawing/2014/main" id="{505B47B7-7C8F-9ECE-75F2-59227E99A933}"/>
+              </a:ext>
+            </a:extLst>
+          </p:cNvPr>
+          <p:cNvSpPr txBox="1"/>
+          <p:nvPr/>
+        </p:nvSpPr>
+        <p:spPr>
+          <a:xfrm>
+            <a:off x="202518" y="231648"/>
+            <a:ext cx="2252247" cy="584775"/>
+          </a:xfrm>
+          <a:prstGeom prst="rect">
+            <a:avLst/>
+          </a:prstGeom>
+          <a:noFill/>
+        </p:spPr>
+        <p:txBody>
+          <a:bodyPr wrap="square" rtlCol="0">
+            <a:spAutoFit/>
+          </a:bodyPr>
+          <a:lstStyle/>
+          <a:p>
+            <a:r>
+              <a:rPr lang="en-US" altLang="ko-KR" sz="3200" b="1" dirty="0"/>
+              <a:t>11</a:t>
+            </a:r>
+            <a:r>
+              <a:rPr lang="ko-KR" altLang="en-US" sz="3200" b="1" dirty="0"/>
+              <a:t>월 </a:t>
+            </a:r>
+            <a:r>
+              <a:rPr lang="en-US" altLang="ko-KR" sz="3200" b="1" dirty="0"/>
+              <a:t>12</a:t>
+            </a:r>
+            <a:r>
+              <a:rPr lang="ko-KR" altLang="en-US" sz="3200" b="1" dirty="0"/>
+              <a:t>일</a:t>
+            </a:r>
+          </a:p>
+        </p:txBody>
+      </p:sp>
+    </p:spTree>
+    <p:extLst>
+      <p:ext uri="{BB962C8B-B14F-4D97-AF65-F5344CB8AC3E}">
+        <p14:creationId xmlns:p14="http://schemas.microsoft.com/office/powerpoint/2010/main" val="490947394"/>
+      </p:ext>
+    </p:extLst>
+  </p:cSld>
+  <p:clrMapOvr>
+    <a:masterClrMapping/>
+  </p:clrMapOvr>
+</p:sld>
+</file>
+
+<file path=ppt/slides/slide8.xml><?xml version="1.0" encoding="utf-8"?>
+<p:sld xmlns:a="http://schemas.openxmlformats.org/drawingml/2006/main" xmlns:r="http://schemas.openxmlformats.org/officeDocument/2006/relationships" xmlns:p="http://schemas.openxmlformats.org/presentationml/2006/main">
+  <p:cSld>
+    <p:spTree>
+      <p:nvGrpSpPr>
+        <p:cNvPr id="1" name="">
+          <a:extLst>
+            <a:ext uri="{FF2B5EF4-FFF2-40B4-BE49-F238E27FC236}">
+              <a16:creationId xmlns:a16="http://schemas.microsoft.com/office/drawing/2014/main" id="{EDDC5AD2-0231-2C4E-03B9-2E401751FEE4}"/>
+            </a:ext>
+          </a:extLst>
+        </p:cNvPr>
+        <p:cNvGrpSpPr/>
+        <p:nvPr/>
+      </p:nvGrpSpPr>
+      <p:grpSpPr>
+        <a:xfrm>
+          <a:off x="0" y="0"/>
+          <a:ext cx="0" cy="0"/>
+          <a:chOff x="0" y="0"/>
+          <a:chExt cx="0" cy="0"/>
+        </a:xfrm>
+      </p:grpSpPr>
+      <p:sp>
+        <p:nvSpPr>
+          <p:cNvPr id="8" name="TextBox 7">
+            <a:extLst>
+              <a:ext uri="{FF2B5EF4-FFF2-40B4-BE49-F238E27FC236}">
+                <a16:creationId xmlns:a16="http://schemas.microsoft.com/office/drawing/2014/main" id="{26B2E538-75A3-C544-7019-BE20A327F939}"/>
+              </a:ext>
+            </a:extLst>
+          </p:cNvPr>
+          <p:cNvSpPr txBox="1"/>
+          <p:nvPr/>
+        </p:nvSpPr>
+        <p:spPr>
+          <a:xfrm>
+            <a:off x="2753428" y="440861"/>
+            <a:ext cx="9062519" cy="4801314"/>
+          </a:xfrm>
+          <a:prstGeom prst="rect">
+            <a:avLst/>
+          </a:prstGeom>
+          <a:noFill/>
+        </p:spPr>
+        <p:txBody>
+          <a:bodyPr wrap="square" rtlCol="0">
+            <a:spAutoFit/>
+          </a:bodyPr>
+          <a:lstStyle/>
+          <a:p>
+            <a:r>
+              <a:rPr lang="en-US" altLang="ko-KR" dirty="0" err="1"/>
+              <a:t>weather_table</a:t>
+            </a:r>
+            <a:r>
+              <a:rPr lang="en-US" altLang="ko-KR" dirty="0"/>
+              <a:t>, </a:t>
+            </a:r>
+            <a:r>
+              <a:rPr lang="en-US" altLang="ko-KR" dirty="0" err="1"/>
+              <a:t>tn_activity_consume_his_h</a:t>
+            </a:r>
+            <a:r>
+              <a:rPr lang="en-US" altLang="ko-KR" dirty="0"/>
+              <a:t> </a:t>
+            </a:r>
+            <a:r>
+              <a:rPr lang="ko-KR" altLang="en-US" dirty="0"/>
+              <a:t>테이블의 시간 단위를 맞추어야 함</a:t>
+            </a:r>
+            <a:r>
+              <a:rPr lang="en-US" altLang="ko-KR" dirty="0"/>
+              <a:t>.</a:t>
+            </a:r>
+          </a:p>
+          <a:p>
+            <a:r>
+              <a:rPr lang="en-US" altLang="ko-KR" dirty="0"/>
+              <a:t>YYYY-MM-DD HH:MM </a:t>
+            </a:r>
+            <a:r>
+              <a:rPr lang="ko-KR" altLang="en-US" dirty="0"/>
+              <a:t>형태여야 하는데 </a:t>
+            </a:r>
+            <a:r>
+              <a:rPr lang="en-US" altLang="ko-KR" dirty="0" err="1"/>
+              <a:t>weather_table</a:t>
+            </a:r>
+            <a:r>
+              <a:rPr lang="ko-KR" altLang="en-US" dirty="0"/>
+              <a:t>은 오전 시간이 </a:t>
+            </a:r>
+            <a:r>
+              <a:rPr lang="en-US" altLang="ko-KR" dirty="0"/>
+              <a:t>07</a:t>
+            </a:r>
+            <a:r>
+              <a:rPr lang="ko-KR" altLang="en-US" dirty="0"/>
+              <a:t>이 아니라 </a:t>
+            </a:r>
+            <a:r>
+              <a:rPr lang="en-US" altLang="ko-KR" dirty="0"/>
+              <a:t>7 </a:t>
+            </a:r>
+            <a:r>
+              <a:rPr lang="ko-KR" altLang="en-US" dirty="0"/>
+              <a:t>이런 식으로 되어 있어서 이 부분을 모두 수정</a:t>
+            </a:r>
+            <a:endParaRPr lang="en-US" altLang="ko-KR" dirty="0"/>
+          </a:p>
+          <a:p>
+            <a:endParaRPr lang="en-US" altLang="ko-KR" dirty="0"/>
+          </a:p>
+          <a:p>
+            <a:r>
+              <a:rPr lang="ko-KR" altLang="en-US" dirty="0" err="1"/>
+              <a:t>결측치</a:t>
+            </a:r>
+            <a:r>
+              <a:rPr lang="ko-KR" altLang="en-US" dirty="0"/>
+              <a:t> 제거 필요 </a:t>
+            </a:r>
+            <a:r>
+              <a:rPr lang="en-US" altLang="ko-KR" dirty="0"/>
+              <a:t>NULL</a:t>
+            </a:r>
+            <a:r>
+              <a:rPr lang="ko-KR" altLang="en-US" dirty="0"/>
+              <a:t>인 데이터는 </a:t>
+            </a:r>
+            <a:r>
+              <a:rPr lang="en-US" altLang="ko-KR" dirty="0"/>
+              <a:t>0 </a:t>
+            </a:r>
+            <a:r>
+              <a:rPr lang="ko-KR" altLang="en-US" dirty="0"/>
+              <a:t>또는 특정 숫자로 변경해야 함</a:t>
+            </a:r>
+            <a:endParaRPr lang="en-US" altLang="ko-KR" dirty="0"/>
+          </a:p>
+          <a:p>
+            <a:endParaRPr lang="en-US" altLang="ko-KR" dirty="0"/>
+          </a:p>
+          <a:p>
+            <a:r>
+              <a:rPr lang="en-US" altLang="ko-KR" dirty="0"/>
+              <a:t>1.</a:t>
+            </a:r>
+            <a:r>
+              <a:rPr lang="ko-KR" altLang="en-US" dirty="0"/>
+              <a:t> 데이터 </a:t>
+            </a:r>
+            <a:r>
+              <a:rPr lang="ko-KR" altLang="en-US" dirty="0" err="1"/>
+              <a:t>전처리</a:t>
+            </a:r>
+            <a:endParaRPr lang="en-US" altLang="ko-KR" dirty="0"/>
+          </a:p>
+          <a:p>
+            <a:r>
+              <a:rPr lang="ko-KR" altLang="en-US" dirty="0"/>
+              <a:t>기온 </a:t>
+            </a:r>
+            <a:r>
+              <a:rPr lang="en-US" altLang="ko-KR" dirty="0"/>
+              <a:t>: NULL </a:t>
+            </a:r>
+            <a:r>
+              <a:rPr lang="ko-KR" altLang="en-US" dirty="0"/>
+              <a:t>포함</a:t>
+            </a:r>
+            <a:r>
+              <a:rPr lang="en-US" altLang="ko-KR" dirty="0"/>
+              <a:t>(14.3 ~ 37)</a:t>
+            </a:r>
+          </a:p>
+          <a:p>
+            <a:r>
+              <a:rPr lang="en-US" altLang="ko-KR" dirty="0"/>
+              <a:t>	NULL</a:t>
+            </a:r>
+            <a:r>
+              <a:rPr lang="ko-KR" altLang="en-US" dirty="0"/>
+              <a:t>인 경우</a:t>
+            </a:r>
+            <a:endParaRPr lang="en-US" altLang="ko-KR" dirty="0"/>
+          </a:p>
+          <a:p>
+            <a:r>
+              <a:rPr lang="en-US" altLang="ko-KR" dirty="0"/>
+              <a:t>	2023.09.19 16:00 </a:t>
+            </a:r>
+            <a:r>
+              <a:rPr lang="ko-KR" altLang="en-US" dirty="0"/>
+              <a:t>고산 </a:t>
+            </a:r>
+            <a:r>
+              <a:rPr lang="en-US" altLang="ko-KR" dirty="0"/>
+              <a:t>(</a:t>
+            </a:r>
+            <a:r>
+              <a:rPr lang="ko-KR" altLang="en-US" dirty="0"/>
+              <a:t>제주 </a:t>
+            </a:r>
+            <a:r>
+              <a:rPr lang="en-US" altLang="ko-KR" dirty="0"/>
+              <a:t>27.7, </a:t>
+            </a:r>
+            <a:r>
+              <a:rPr lang="ko-KR" altLang="en-US" dirty="0"/>
+              <a:t>성산 </a:t>
+            </a:r>
+            <a:r>
+              <a:rPr lang="en-US" altLang="ko-KR" dirty="0"/>
+              <a:t>28.1, </a:t>
+            </a:r>
+            <a:r>
+              <a:rPr lang="ko-KR" altLang="en-US" dirty="0"/>
+              <a:t>서귀포 </a:t>
+            </a:r>
+            <a:r>
+              <a:rPr lang="en-US" altLang="ko-KR" dirty="0"/>
+              <a:t>27.6)</a:t>
+            </a:r>
+          </a:p>
+          <a:p>
+            <a:r>
+              <a:rPr lang="en-US" altLang="ko-KR" dirty="0"/>
+              <a:t>	2023.06.27 12:00 </a:t>
+            </a:r>
+            <a:r>
+              <a:rPr lang="ko-KR" altLang="en-US" dirty="0"/>
+              <a:t>제주 </a:t>
+            </a:r>
+            <a:r>
+              <a:rPr lang="en-US" altLang="ko-KR" dirty="0"/>
+              <a:t>(</a:t>
+            </a:r>
+            <a:r>
+              <a:rPr lang="ko-KR" altLang="en-US" dirty="0"/>
+              <a:t>고산 </a:t>
+            </a:r>
+            <a:r>
+              <a:rPr lang="en-US" altLang="ko-KR" dirty="0"/>
+              <a:t>23, </a:t>
+            </a:r>
+            <a:r>
+              <a:rPr lang="ko-KR" altLang="en-US" dirty="0"/>
+              <a:t>성산 </a:t>
+            </a:r>
+            <a:r>
+              <a:rPr lang="en-US" altLang="ko-KR" dirty="0"/>
+              <a:t>24.2, </a:t>
+            </a:r>
+            <a:r>
+              <a:rPr lang="ko-KR" altLang="en-US" dirty="0"/>
+              <a:t>서귀포 </a:t>
+            </a:r>
+            <a:r>
+              <a:rPr lang="en-US" altLang="ko-KR" dirty="0"/>
+              <a:t>23.6)</a:t>
+            </a:r>
+          </a:p>
+          <a:p>
+            <a:r>
+              <a:rPr lang="en-US" altLang="ko-KR" dirty="0"/>
+              <a:t>	</a:t>
+            </a:r>
+            <a:r>
+              <a:rPr lang="ko-KR" altLang="en-US" dirty="0"/>
+              <a:t>해당 지역의 앞뒤 시간의 평균값을 사용하면 될 듯</a:t>
+            </a:r>
+            <a:endParaRPr lang="en-US" altLang="ko-KR" dirty="0"/>
+          </a:p>
+          <a:p>
+            <a:endParaRPr lang="en-US" altLang="ko-KR" dirty="0"/>
+          </a:p>
+          <a:p>
+            <a:r>
+              <a:rPr lang="ko-KR" altLang="en-US" dirty="0"/>
+              <a:t>강수 </a:t>
+            </a:r>
+            <a:r>
+              <a:rPr lang="en-US" altLang="ko-KR" dirty="0"/>
+              <a:t>: 0 ~ 9.8</a:t>
+            </a:r>
+          </a:p>
+          <a:p>
+            <a:endParaRPr lang="en-US" altLang="ko-KR" dirty="0"/>
+          </a:p>
+          <a:p>
+            <a:r>
+              <a:rPr lang="ko-KR" altLang="en-US" dirty="0"/>
+              <a:t>일조 </a:t>
+            </a:r>
+            <a:r>
+              <a:rPr lang="en-US" altLang="ko-KR" dirty="0"/>
+              <a:t>: 0 </a:t>
+            </a:r>
+            <a:r>
+              <a:rPr lang="ko-KR" altLang="en-US" dirty="0"/>
+              <a:t>또는 </a:t>
+            </a:r>
+            <a:r>
+              <a:rPr lang="en-US" altLang="ko-KR" dirty="0"/>
+              <a:t>1</a:t>
+            </a:r>
+          </a:p>
+          <a:p>
+            <a:endParaRPr lang="en-US" altLang="ko-KR" dirty="0"/>
+          </a:p>
+        </p:txBody>
+      </p:sp>
+      <p:sp>
+        <p:nvSpPr>
+          <p:cNvPr id="2" name="TextBox 1">
+            <a:extLst>
+              <a:ext uri="{FF2B5EF4-FFF2-40B4-BE49-F238E27FC236}">
+                <a16:creationId xmlns:a16="http://schemas.microsoft.com/office/drawing/2014/main" id="{F588E1BE-4C05-19B6-C1B5-CA9CDCE2CDB0}"/>
+              </a:ext>
+            </a:extLst>
+          </p:cNvPr>
+          <p:cNvSpPr txBox="1"/>
+          <p:nvPr/>
+        </p:nvSpPr>
+        <p:spPr>
+          <a:xfrm>
+            <a:off x="202518" y="231648"/>
+            <a:ext cx="2252247" cy="584775"/>
+          </a:xfrm>
+          <a:prstGeom prst="rect">
+            <a:avLst/>
+          </a:prstGeom>
+          <a:noFill/>
+        </p:spPr>
+        <p:txBody>
+          <a:bodyPr wrap="square" rtlCol="0">
+            <a:spAutoFit/>
+          </a:bodyPr>
+          <a:lstStyle/>
+          <a:p>
+            <a:r>
+              <a:rPr lang="en-US" altLang="ko-KR" sz="3200" b="1" dirty="0"/>
+              <a:t>11</a:t>
+            </a:r>
+            <a:r>
+              <a:rPr lang="ko-KR" altLang="en-US" sz="3200" b="1" dirty="0"/>
+              <a:t>월 </a:t>
+            </a:r>
+            <a:r>
+              <a:rPr lang="en-US" altLang="ko-KR" sz="3200" b="1" dirty="0"/>
+              <a:t>12</a:t>
+            </a:r>
+            <a:r>
+              <a:rPr lang="ko-KR" altLang="en-US" sz="3200" b="1" dirty="0"/>
+              <a:t>일</a:t>
+            </a:r>
+          </a:p>
+        </p:txBody>
+      </p:sp>
+    </p:spTree>
+    <p:extLst>
+      <p:ext uri="{BB962C8B-B14F-4D97-AF65-F5344CB8AC3E}">
+        <p14:creationId xmlns:p14="http://schemas.microsoft.com/office/powerpoint/2010/main" val="3317761485"/>
+      </p:ext>
+    </p:extLst>
+  </p:cSld>
+  <p:clrMapOvr>
+    <a:masterClrMapping/>
+  </p:clrMapOvr>
+</p:sld>
+</file>
+
+<file path=ppt/slides/slide9.xml><?xml version="1.0" encoding="utf-8"?>
+<p:sld xmlns:a="http://schemas.openxmlformats.org/drawingml/2006/main" xmlns:r="http://schemas.openxmlformats.org/officeDocument/2006/relationships" xmlns:p="http://schemas.openxmlformats.org/presentationml/2006/main">
+  <p:cSld>
+    <p:spTree>
+      <p:nvGrpSpPr>
+        <p:cNvPr id="1" name="">
+          <a:extLst>
+            <a:ext uri="{FF2B5EF4-FFF2-40B4-BE49-F238E27FC236}">
+              <a16:creationId xmlns:a16="http://schemas.microsoft.com/office/drawing/2014/main" id="{3B7B812E-09DD-4BD4-096E-1A1ABB4CA0D3}"/>
+            </a:ext>
+          </a:extLst>
+        </p:cNvPr>
+        <p:cNvGrpSpPr/>
+        <p:nvPr/>
+      </p:nvGrpSpPr>
+      <p:grpSpPr>
+        <a:xfrm>
+          <a:off x="0" y="0"/>
+          <a:ext cx="0" cy="0"/>
+          <a:chOff x="0" y="0"/>
+          <a:chExt cx="0" cy="0"/>
+        </a:xfrm>
+      </p:grpSpPr>
+      <p:sp>
+        <p:nvSpPr>
+          <p:cNvPr id="8" name="TextBox 7">
+            <a:extLst>
+              <a:ext uri="{FF2B5EF4-FFF2-40B4-BE49-F238E27FC236}">
+                <a16:creationId xmlns:a16="http://schemas.microsoft.com/office/drawing/2014/main" id="{F675F8D2-C032-03F0-0242-1EDCBE68FCBA}"/>
+              </a:ext>
+            </a:extLst>
+          </p:cNvPr>
+          <p:cNvSpPr txBox="1"/>
+          <p:nvPr/>
+        </p:nvSpPr>
+        <p:spPr>
+          <a:xfrm>
+            <a:off x="2753428" y="440861"/>
+            <a:ext cx="9062519" cy="1754326"/>
+          </a:xfrm>
+          <a:prstGeom prst="rect">
+            <a:avLst/>
+          </a:prstGeom>
+          <a:noFill/>
+        </p:spPr>
+        <p:txBody>
+          <a:bodyPr wrap="square" rtlCol="0">
+            <a:spAutoFit/>
+          </a:bodyPr>
+          <a:lstStyle/>
+          <a:p>
+            <a:r>
+              <a:rPr lang="en-US" altLang="ko-KR" dirty="0"/>
+              <a:t>SUNSHINE_HOUR : </a:t>
+            </a:r>
+            <a:r>
+              <a:rPr lang="ko-KR" altLang="en-US" dirty="0"/>
+              <a:t>소수점이 있어야 하는데 없어서 수정 필요</a:t>
+            </a:r>
+            <a:endParaRPr lang="en-US" altLang="ko-KR" dirty="0"/>
+          </a:p>
+          <a:p>
+            <a:r>
+              <a:rPr lang="en-US" altLang="ko-KR" dirty="0"/>
+              <a:t>STATION_ID : </a:t>
+            </a:r>
+            <a:r>
+              <a:rPr lang="ko-KR" altLang="en-US" dirty="0"/>
+              <a:t>했던 과정 소개 </a:t>
+            </a:r>
+            <a:r>
+              <a:rPr lang="en-US" altLang="ko-KR" dirty="0"/>
+              <a:t>SGG_CD </a:t>
+            </a:r>
+            <a:r>
+              <a:rPr lang="ko-KR" altLang="en-US" dirty="0"/>
+              <a:t>매칭 그리고 제주로 매칭</a:t>
+            </a:r>
+            <a:endParaRPr lang="en-US" altLang="ko-KR" dirty="0"/>
+          </a:p>
+          <a:p>
+            <a:r>
+              <a:rPr lang="ko-KR" altLang="en-US" dirty="0"/>
+              <a:t>온도 </a:t>
+            </a:r>
+            <a:r>
+              <a:rPr lang="en-US" altLang="ko-KR" dirty="0"/>
+              <a:t>NULL </a:t>
+            </a:r>
+            <a:r>
+              <a:rPr lang="ko-KR" altLang="en-US" dirty="0"/>
+              <a:t>값 어떻게 처리했는지</a:t>
+            </a:r>
+            <a:endParaRPr lang="en-US" altLang="ko-KR" dirty="0"/>
+          </a:p>
+          <a:p>
+            <a:r>
+              <a:rPr lang="en-US" altLang="ko-KR" dirty="0"/>
+              <a:t>SGG_CD </a:t>
+            </a:r>
+            <a:r>
+              <a:rPr lang="ko-KR" altLang="en-US" dirty="0"/>
+              <a:t>없는 데이터에 </a:t>
+            </a:r>
+            <a:r>
+              <a:rPr lang="en-US" altLang="ko-KR" dirty="0"/>
+              <a:t>SGG_CD </a:t>
+            </a:r>
+            <a:r>
+              <a:rPr lang="ko-KR" altLang="en-US" dirty="0"/>
+              <a:t>다시 넣기</a:t>
+            </a:r>
+            <a:endParaRPr lang="en-US" altLang="ko-KR" dirty="0"/>
+          </a:p>
+          <a:p>
+            <a:endParaRPr lang="en-US" altLang="ko-KR" dirty="0"/>
+          </a:p>
+          <a:p>
+            <a:endParaRPr lang="en-US" altLang="ko-KR" dirty="0"/>
+          </a:p>
+        </p:txBody>
+      </p:sp>
+      <p:sp>
+        <p:nvSpPr>
+          <p:cNvPr id="2" name="TextBox 1">
+            <a:extLst>
+              <a:ext uri="{FF2B5EF4-FFF2-40B4-BE49-F238E27FC236}">
+                <a16:creationId xmlns:a16="http://schemas.microsoft.com/office/drawing/2014/main" id="{9368417C-7998-3A2B-6FB8-53F63560E0A0}"/>
+              </a:ext>
+            </a:extLst>
+          </p:cNvPr>
+          <p:cNvSpPr txBox="1"/>
+          <p:nvPr/>
+        </p:nvSpPr>
+        <p:spPr>
+          <a:xfrm>
+            <a:off x="202518" y="231648"/>
+            <a:ext cx="2252247" cy="584775"/>
+          </a:xfrm>
+          <a:prstGeom prst="rect">
+            <a:avLst/>
+          </a:prstGeom>
+          <a:noFill/>
+        </p:spPr>
+        <p:txBody>
+          <a:bodyPr wrap="square" rtlCol="0">
+            <a:spAutoFit/>
+          </a:bodyPr>
+          <a:lstStyle/>
+          <a:p>
+            <a:r>
+              <a:rPr lang="en-US" altLang="ko-KR" sz="3200" b="1" dirty="0"/>
+              <a:t>11</a:t>
+            </a:r>
+            <a:r>
+              <a:rPr lang="ko-KR" altLang="en-US" sz="3200" b="1" dirty="0"/>
+              <a:t>월 </a:t>
+            </a:r>
+            <a:r>
+              <a:rPr lang="en-US" altLang="ko-KR" sz="3200" b="1" dirty="0"/>
+              <a:t>12</a:t>
+            </a:r>
+            <a:r>
+              <a:rPr lang="ko-KR" altLang="en-US" sz="3200" b="1" dirty="0"/>
+              <a:t>일</a:t>
+            </a:r>
+          </a:p>
+        </p:txBody>
+      </p:sp>
+    </p:spTree>
+    <p:extLst>
+      <p:ext uri="{BB962C8B-B14F-4D97-AF65-F5344CB8AC3E}">
+        <p14:creationId xmlns:p14="http://schemas.microsoft.com/office/powerpoint/2010/main" val="4135430768"/>
       </p:ext>
     </p:extLst>
   </p:cSld>
